--- a/c#_unity/csharp-slides.pptx
+++ b/c#_unity/csharp-slides.pptx
@@ -17270,22 +17270,11 @@
           <a:p>
             <a:r>
               <a:rPr lang="zh-CN" altLang="en-US" dirty="0" smtClean="0"/>
-              <a:t>*委托：</a:t>
-            </a:r>
-            <a:r>
-              <a:rPr lang="en-US" altLang="zh-CN" dirty="0" smtClean="0"/>
-              <a:t>delegate</a:t>
-            </a:r>
-            <a:r>
-              <a:rPr lang="zh-CN" altLang="en-US" dirty="0" smtClean="0"/>
-              <a:t>，函数指针</a:t>
-            </a:r>
-            <a:endParaRPr lang="en-US" altLang="zh-CN" dirty="0" smtClean="0"/>
-          </a:p>
-          <a:p>
-            <a:r>
-              <a:rPr lang="zh-CN" altLang="en-US" dirty="0" smtClean="0"/>
-              <a:t>内置类型也是类型</a:t>
+              <a:t>内置</a:t>
+            </a:r>
+            <a:r>
+              <a:rPr lang="zh-CN" altLang="en-US" dirty="0" smtClean="0"/>
+              <a:t>类型也是类型</a:t>
             </a:r>
             <a:endParaRPr lang="en-US" altLang="zh-CN" dirty="0"/>
           </a:p>

--- a/c#_unity/csharp-slides.pptx
+++ b/c#_unity/csharp-slides.pptx
@@ -29,14 +29,19 @@
     <p:sldId id="264" r:id="rId23"/>
     <p:sldId id="265" r:id="rId24"/>
     <p:sldId id="266" r:id="rId25"/>
-    <p:sldId id="285" r:id="rId26"/>
-    <p:sldId id="267" r:id="rId27"/>
-    <p:sldId id="268" r:id="rId28"/>
-    <p:sldId id="269" r:id="rId29"/>
-    <p:sldId id="270" r:id="rId30"/>
-    <p:sldId id="271" r:id="rId31"/>
-    <p:sldId id="272" r:id="rId32"/>
-    <p:sldId id="273" r:id="rId33"/>
+    <p:sldId id="267" r:id="rId26"/>
+    <p:sldId id="268" r:id="rId27"/>
+    <p:sldId id="269" r:id="rId28"/>
+    <p:sldId id="270" r:id="rId29"/>
+    <p:sldId id="271" r:id="rId30"/>
+    <p:sldId id="272" r:id="rId31"/>
+    <p:sldId id="273" r:id="rId32"/>
+    <p:sldId id="285" r:id="rId33"/>
+    <p:sldId id="288" r:id="rId34"/>
+    <p:sldId id="289" r:id="rId35"/>
+    <p:sldId id="290" r:id="rId36"/>
+    <p:sldId id="287" r:id="rId37"/>
+    <p:sldId id="291" r:id="rId38"/>
   </p:sldIdLst>
   <p:sldSz cx="12192000" cy="6858000"/>
   <p:notesSz cx="6858000" cy="9144000"/>
@@ -136,6 +141,50 @@
     </a:lvl9pPr>
   </p:defaultTextStyle>
   <p:extLst>
+    <p:ext uri="{521415D9-36F7-43E2-AB2F-B90AF26B5E84}">
+      <p14:sectionLst xmlns:p14="http://schemas.microsoft.com/office/powerpoint/2010/main">
+        <p14:section name="默认节" id="{665AA529-FD57-4E31-AF4E-41DEA502D0F2}">
+          <p14:sldIdLst>
+            <p14:sldId id="274"/>
+            <p14:sldId id="275"/>
+            <p14:sldId id="276"/>
+            <p14:sldId id="277"/>
+            <p14:sldId id="278"/>
+            <p14:sldId id="279"/>
+            <p14:sldId id="280"/>
+            <p14:sldId id="281"/>
+            <p14:sldId id="282"/>
+            <p14:sldId id="283"/>
+            <p14:sldId id="284"/>
+            <p14:sldId id="256"/>
+            <p14:sldId id="257"/>
+            <p14:sldId id="258"/>
+            <p14:sldId id="259"/>
+            <p14:sldId id="260"/>
+            <p14:sldId id="261"/>
+            <p14:sldId id="262"/>
+            <p14:sldId id="286"/>
+            <p14:sldId id="263"/>
+            <p14:sldId id="264"/>
+            <p14:sldId id="265"/>
+            <p14:sldId id="266"/>
+            <p14:sldId id="267"/>
+            <p14:sldId id="268"/>
+            <p14:sldId id="269"/>
+            <p14:sldId id="270"/>
+            <p14:sldId id="271"/>
+            <p14:sldId id="272"/>
+            <p14:sldId id="273"/>
+            <p14:sldId id="285"/>
+            <p14:sldId id="288"/>
+            <p14:sldId id="289"/>
+            <p14:sldId id="290"/>
+            <p14:sldId id="287"/>
+            <p14:sldId id="291"/>
+          </p14:sldIdLst>
+        </p14:section>
+      </p14:sectionLst>
+    </p:ext>
     <p:ext uri="{EFAFB233-063F-42B5-8137-9DF3F51BA10A}">
       <p15:sldGuideLst xmlns:p15="http://schemas.microsoft.com/office/powerpoint/2012/main"/>
     </p:ext>
@@ -3623,7 +3672,7 @@
           <a:p>
             <a:fld id="{61CB3AFA-E59D-4F45-823D-651D06A65DCE}" type="datetimeFigureOut">
               <a:rPr lang="zh-CN" altLang="en-US" smtClean="0"/>
-              <a:t>2017/7/3</a:t>
+              <a:t>2017/7/4</a:t>
             </a:fld>
             <a:endParaRPr lang="zh-CN" altLang="en-US"/>
           </a:p>
@@ -3793,7 +3842,7 @@
           <a:p>
             <a:fld id="{61CB3AFA-E59D-4F45-823D-651D06A65DCE}" type="datetimeFigureOut">
               <a:rPr lang="zh-CN" altLang="en-US" smtClean="0"/>
-              <a:t>2017/7/3</a:t>
+              <a:t>2017/7/4</a:t>
             </a:fld>
             <a:endParaRPr lang="zh-CN" altLang="en-US"/>
           </a:p>
@@ -3973,7 +4022,7 @@
           <a:p>
             <a:fld id="{61CB3AFA-E59D-4F45-823D-651D06A65DCE}" type="datetimeFigureOut">
               <a:rPr lang="zh-CN" altLang="en-US" smtClean="0"/>
-              <a:t>2017/7/3</a:t>
+              <a:t>2017/7/4</a:t>
             </a:fld>
             <a:endParaRPr lang="zh-CN" altLang="en-US"/>
           </a:p>
@@ -4383,7 +4432,7 @@
           <a:lstStyle/>
           <a:p>
             <a:fld id="{9E583DDF-CA54-461A-A486-592D2374C532}" type="datetimeFigureOut">
-              <a:t>2017/7/3</a:t>
+              <a:t>2017/7/4</a:t>
             </a:fld>
             <a:endParaRPr lang="zh-CN"/>
           </a:p>
@@ -4694,7 +4743,7 @@
           <a:lstStyle/>
           <a:p>
             <a:fld id="{9E583DDF-CA54-461A-A486-592D2374C532}" type="datetimeFigureOut">
-              <a:t>2017/7/3</a:t>
+              <a:t>2017/7/4</a:t>
             </a:fld>
             <a:endParaRPr lang="zh-CN"/>
           </a:p>
@@ -5001,7 +5050,7 @@
           <a:lstStyle/>
           <a:p>
             <a:fld id="{0A879FD0-C37A-4F50-8F3B-5FA0D9D0B42F}" type="datetimeFigureOut">
-              <a:t>2017/7/3</a:t>
+              <a:t>2017/7/4</a:t>
             </a:fld>
             <a:endParaRPr lang="zh-CN"/>
           </a:p>
@@ -5455,7 +5504,7 @@
           <a:lstStyle/>
           <a:p>
             <a:fld id="{9E583DDF-CA54-461A-A486-592D2374C532}" type="datetimeFigureOut">
-              <a:t>2017/7/3</a:t>
+              <a:t>2017/7/4</a:t>
             </a:fld>
             <a:endParaRPr lang="zh-CN"/>
           </a:p>
@@ -5590,7 +5639,7 @@
           <a:lstStyle/>
           <a:p>
             <a:fld id="{9E583DDF-CA54-461A-A486-592D2374C532}" type="datetimeFigureOut">
-              <a:t>2017/7/3</a:t>
+              <a:t>2017/7/4</a:t>
             </a:fld>
             <a:endParaRPr lang="zh-CN"/>
           </a:p>
@@ -5740,7 +5789,7 @@
           <a:lstStyle/>
           <a:p>
             <a:fld id="{9E583DDF-CA54-461A-A486-592D2374C532}" type="datetimeFigureOut">
-              <a:t>2017/7/3</a:t>
+              <a:t>2017/7/4</a:t>
             </a:fld>
             <a:endParaRPr lang="zh-CN"/>
           </a:p>
@@ -6036,7 +6085,7 @@
           <a:lstStyle/>
           <a:p>
             <a:fld id="{9E583DDF-CA54-461A-A486-592D2374C532}" type="datetimeFigureOut">
-              <a:t>2017/7/3</a:t>
+              <a:t>2017/7/4</a:t>
             </a:fld>
             <a:endParaRPr lang="zh-CN"/>
           </a:p>
@@ -6217,7 +6266,7 @@
           <a:p>
             <a:fld id="{61CB3AFA-E59D-4F45-823D-651D06A65DCE}" type="datetimeFigureOut">
               <a:rPr lang="zh-CN" altLang="en-US" smtClean="0"/>
-              <a:t>2017/7/3</a:t>
+              <a:t>2017/7/4</a:t>
             </a:fld>
             <a:endParaRPr lang="zh-CN" altLang="en-US"/>
           </a:p>
@@ -6490,7 +6539,7 @@
           <a:lstStyle/>
           <a:p>
             <a:fld id="{9E583DDF-CA54-461A-A486-592D2374C532}" type="datetimeFigureOut">
-              <a:t>2017/7/3</a:t>
+              <a:t>2017/7/4</a:t>
             </a:fld>
             <a:endParaRPr lang="zh-CN"/>
           </a:p>
@@ -6670,7 +6719,7 @@
           <a:lstStyle/>
           <a:p>
             <a:fld id="{9E583DDF-CA54-461A-A486-592D2374C532}" type="datetimeFigureOut">
-              <a:t>2017/7/3</a:t>
+              <a:t>2017/7/4</a:t>
             </a:fld>
             <a:endParaRPr lang="zh-CN"/>
           </a:p>
@@ -6860,7 +6909,7 @@
           <a:lstStyle/>
           <a:p>
             <a:fld id="{9E583DDF-CA54-461A-A486-592D2374C532}" type="datetimeFigureOut">
-              <a:t>2017/7/3</a:t>
+              <a:t>2017/7/4</a:t>
             </a:fld>
             <a:endParaRPr lang="zh-CN"/>
           </a:p>
@@ -7117,7 +7166,7 @@
           <a:p>
             <a:fld id="{61CB3AFA-E59D-4F45-823D-651D06A65DCE}" type="datetimeFigureOut">
               <a:rPr lang="zh-CN" altLang="en-US" smtClean="0"/>
-              <a:t>2017/7/3</a:t>
+              <a:t>2017/7/4</a:t>
             </a:fld>
             <a:endParaRPr lang="zh-CN" altLang="en-US"/>
           </a:p>
@@ -7349,7 +7398,7 @@
           <a:p>
             <a:fld id="{61CB3AFA-E59D-4F45-823D-651D06A65DCE}" type="datetimeFigureOut">
               <a:rPr lang="zh-CN" altLang="en-US" smtClean="0"/>
-              <a:t>2017/7/3</a:t>
+              <a:t>2017/7/4</a:t>
             </a:fld>
             <a:endParaRPr lang="zh-CN" altLang="en-US"/>
           </a:p>
@@ -7716,7 +7765,7 @@
           <a:p>
             <a:fld id="{61CB3AFA-E59D-4F45-823D-651D06A65DCE}" type="datetimeFigureOut">
               <a:rPr lang="zh-CN" altLang="en-US" smtClean="0"/>
-              <a:t>2017/7/3</a:t>
+              <a:t>2017/7/4</a:t>
             </a:fld>
             <a:endParaRPr lang="zh-CN" altLang="en-US"/>
           </a:p>
@@ -7834,7 +7883,7 @@
           <a:p>
             <a:fld id="{61CB3AFA-E59D-4F45-823D-651D06A65DCE}" type="datetimeFigureOut">
               <a:rPr lang="zh-CN" altLang="en-US" smtClean="0"/>
-              <a:t>2017/7/3</a:t>
+              <a:t>2017/7/4</a:t>
             </a:fld>
             <a:endParaRPr lang="zh-CN" altLang="en-US"/>
           </a:p>
@@ -7929,7 +7978,7 @@
           <a:p>
             <a:fld id="{61CB3AFA-E59D-4F45-823D-651D06A65DCE}" type="datetimeFigureOut">
               <a:rPr lang="zh-CN" altLang="en-US" smtClean="0"/>
-              <a:t>2017/7/3</a:t>
+              <a:t>2017/7/4</a:t>
             </a:fld>
             <a:endParaRPr lang="zh-CN" altLang="en-US"/>
           </a:p>
@@ -8206,7 +8255,7 @@
           <a:p>
             <a:fld id="{61CB3AFA-E59D-4F45-823D-651D06A65DCE}" type="datetimeFigureOut">
               <a:rPr lang="zh-CN" altLang="en-US" smtClean="0"/>
-              <a:t>2017/7/3</a:t>
+              <a:t>2017/7/4</a:t>
             </a:fld>
             <a:endParaRPr lang="zh-CN" altLang="en-US"/>
           </a:p>
@@ -8459,7 +8508,7 @@
           <a:p>
             <a:fld id="{61CB3AFA-E59D-4F45-823D-651D06A65DCE}" type="datetimeFigureOut">
               <a:rPr lang="zh-CN" altLang="en-US" smtClean="0"/>
-              <a:t>2017/7/3</a:t>
+              <a:t>2017/7/4</a:t>
             </a:fld>
             <a:endParaRPr lang="zh-CN" altLang="en-US"/>
           </a:p>
@@ -8672,7 +8721,7 @@
           <a:p>
             <a:fld id="{61CB3AFA-E59D-4F45-823D-651D06A65DCE}" type="datetimeFigureOut">
               <a:rPr lang="zh-CN" altLang="en-US" smtClean="0"/>
-              <a:t>2017/7/3</a:t>
+              <a:t>2017/7/4</a:t>
             </a:fld>
             <a:endParaRPr lang="zh-CN" altLang="en-US"/>
           </a:p>
@@ -9261,7 +9310,7 @@
             <a:fld id="{9E583DDF-CA54-461A-A486-592D2374C532}" type="datetimeFigureOut">
               <a:rPr lang="en-US" altLang="zh-CN" smtClean="0"/>
               <a:pPr/>
-              <a:t>7/3/2017</a:t>
+              <a:t>7/4/2017</a:t>
             </a:fld>
             <a:endParaRPr lang="zh-CN" altLang="en-US"/>
           </a:p>
@@ -10223,12 +10272,16 @@
           </p:cNvGraphicFramePr>
           <p:nvPr>
             <p:ph idx="1"/>
-            <p:extLst/>
+            <p:extLst>
+              <p:ext uri="{D42A27DB-BD31-4B8C-83A1-F6EECF244321}">
+                <p14:modId xmlns:p14="http://schemas.microsoft.com/office/powerpoint/2010/main" val="852011573"/>
+              </p:ext>
+            </p:extLst>
           </p:nvPr>
         </p:nvGraphicFramePr>
         <p:xfrm>
           <a:off x="1341438" y="1901825"/>
-          <a:ext cx="9509124" cy="2966720"/>
+          <a:ext cx="9509124" cy="2595880"/>
         </p:xfrm>
         <a:graphic>
           <a:graphicData uri="http://schemas.openxmlformats.org/drawingml/2006/table">
@@ -10619,55 +10672,6 @@
                 <a:extLst>
                   <a:ext uri="{0D108BD9-81ED-4DB2-BD59-A6C34878D82A}">
                     <a16:rowId xmlns:a16="http://schemas.microsoft.com/office/drawing/2014/main" val="3411984169"/>
-                  </a:ext>
-                </a:extLst>
-              </a:tr>
-              <a:tr h="370840">
-                <a:tc>
-                  <a:txBody>
-                    <a:bodyPr/>
-                    <a:lstStyle/>
-                    <a:p>
-                      <a:r>
-                        <a:rPr lang="zh-CN" altLang="en-US" dirty="0" smtClean="0"/>
-                        <a:t>默认访问</a:t>
-                      </a:r>
-                      <a:endParaRPr lang="zh-CN" altLang="en-US" dirty="0"/>
-                    </a:p>
-                  </a:txBody>
-                  <a:tcPr/>
-                </a:tc>
-                <a:tc>
-                  <a:txBody>
-                    <a:bodyPr/>
-                    <a:lstStyle/>
-                    <a:p>
-                      <a:r>
-                        <a:rPr lang="en-US" altLang="zh-CN" dirty="0" smtClean="0"/>
-                        <a:t>public</a:t>
-                      </a:r>
-                      <a:endParaRPr lang="zh-CN" altLang="en-US" dirty="0"/>
-                    </a:p>
-                  </a:txBody>
-                  <a:tcPr/>
-                </a:tc>
-                <a:tc>
-                  <a:txBody>
-                    <a:bodyPr/>
-                    <a:lstStyle/>
-                    <a:p>
-                      <a:r>
-                        <a:rPr lang="en-US" altLang="zh-CN" dirty="0" smtClean="0"/>
-                        <a:t>private</a:t>
-                      </a:r>
-                      <a:endParaRPr lang="zh-CN" altLang="en-US" dirty="0"/>
-                    </a:p>
-                  </a:txBody>
-                  <a:tcPr/>
-                </a:tc>
-                <a:extLst>
-                  <a:ext uri="{0D108BD9-81ED-4DB2-BD59-A6C34878D82A}">
-                    <a16:rowId xmlns:a16="http://schemas.microsoft.com/office/drawing/2014/main" val="2873209678"/>
                   </a:ext>
                 </a:extLst>
               </a:tr>
@@ -13684,7 +13688,11 @@
           <a:p>
             <a:r>
               <a:rPr lang="en-US" altLang="zh-CN" dirty="0" err="1" smtClean="0"/>
-              <a:t>Coroutine</a:t>
+              <a:t>GameObject</a:t>
+            </a:r>
+            <a:r>
+              <a:rPr lang="en-US" altLang="zh-CN" dirty="0" smtClean="0"/>
+              <a:t> Component</a:t>
             </a:r>
             <a:endParaRPr lang="zh-CN" altLang="en-US" dirty="0"/>
           </a:p>
@@ -13702,22 +13710,20 @@
         </p:nvSpPr>
         <p:spPr/>
         <p:txBody>
-          <a:bodyPr>
-            <a:normAutofit/>
-          </a:bodyPr>
+          <a:bodyPr/>
           <a:lstStyle/>
           <a:p>
             <a:r>
-              <a:rPr lang="zh-CN" altLang="en-US" dirty="0" smtClean="0"/>
-              <a:t>在</a:t>
-            </a:r>
-            <a:r>
-              <a:rPr lang="en-US" altLang="zh-CN" dirty="0" smtClean="0"/>
-              <a:t>iterator</a:t>
-            </a:r>
-            <a:r>
-              <a:rPr lang="zh-CN" altLang="en-US" dirty="0" smtClean="0"/>
-              <a:t>的每步计算间插入一些等待，模拟一连续的变化过程。</a:t>
+              <a:rPr lang="en-US" altLang="zh-CN" dirty="0" smtClean="0"/>
+              <a:t>Component</a:t>
+            </a:r>
+            <a:r>
+              <a:rPr lang="zh-CN" altLang="en-US" dirty="0" smtClean="0"/>
+              <a:t>获得</a:t>
+            </a:r>
+            <a:r>
+              <a:rPr lang="en-US" altLang="zh-CN" dirty="0" err="1" smtClean="0"/>
+              <a:t>GameObject</a:t>
             </a:r>
             <a:r>
               <a:rPr lang="en-US" altLang="zh-CN" dirty="0" smtClean="0"/>
@@ -13727,194 +13733,67 @@
               <a:rPr lang="en-US" altLang="zh-CN" dirty="0" smtClean="0"/>
             </a:br>
             <a:r>
-              <a:rPr lang="zh-CN" altLang="en-US" dirty="0" smtClean="0"/>
-              <a:t>造成一种好像是多线程的假象</a:t>
+              <a:rPr lang="en-US" altLang="zh-CN" dirty="0" err="1" smtClean="0"/>
+              <a:t>Component.</a:t>
+            </a:r>
+            <a:r>
+              <a:rPr lang="en-US" altLang="zh-CN" b="1" dirty="0" err="1" smtClean="0"/>
+              <a:t>gameObject</a:t>
             </a:r>
             <a:endParaRPr lang="en-US" altLang="zh-CN" dirty="0" smtClean="0"/>
           </a:p>
           <a:p>
             <a:r>
-              <a:rPr lang="en-US" altLang="zh-CN" dirty="0" err="1"/>
-              <a:t>IEnumerator</a:t>
-            </a:r>
-            <a:r>
-              <a:rPr lang="en-US" altLang="zh-CN" dirty="0"/>
-              <a:t> Fade() </a:t>
-            </a:r>
-            <a:r>
-              <a:rPr lang="en-US" altLang="zh-CN" dirty="0" smtClean="0"/>
-              <a:t>{</a:t>
+              <a:rPr lang="zh-CN" altLang="en-US" dirty="0" smtClean="0"/>
+              <a:t>获得</a:t>
+            </a:r>
+            <a:r>
+              <a:rPr lang="en-US" altLang="zh-CN" dirty="0" smtClean="0"/>
+              <a:t>Transform</a:t>
             </a:r>
             <a:br>
               <a:rPr lang="en-US" altLang="zh-CN" dirty="0" smtClean="0"/>
             </a:br>
             <a:r>
-              <a:rPr lang="en-US" altLang="zh-CN" dirty="0"/>
+              <a:rPr lang="en-US" altLang="zh-CN" dirty="0" err="1" smtClean="0"/>
+              <a:t>Transform</a:t>
+            </a:r>
+            <a:r>
+              <a:rPr lang="en-US" altLang="zh-CN" dirty="0" smtClean="0"/>
               <a:t> </a:t>
             </a:r>
             <a:r>
-              <a:rPr lang="en-US" altLang="zh-CN" dirty="0" smtClean="0"/>
-              <a:t>   for </a:t>
-            </a:r>
-            <a:r>
-              <a:rPr lang="en-US" altLang="zh-CN" dirty="0"/>
-              <a:t>(float f = 1f; f &gt;= 0; f -= 0.1f) </a:t>
-            </a:r>
-            <a:r>
-              <a:rPr lang="en-US" altLang="zh-CN" dirty="0" smtClean="0"/>
-              <a:t>{</a:t>
+              <a:rPr lang="en-US" altLang="zh-CN" b="1" dirty="0" err="1"/>
+              <a:t>transform</a:t>
+            </a:r>
+            <a:r>
+              <a:rPr lang="en-US" altLang="zh-CN" dirty="0"/>
+              <a:t>;</a:t>
+            </a:r>
+          </a:p>
+          <a:p>
+            <a:r>
+              <a:rPr lang="zh-CN" altLang="en-US" dirty="0" smtClean="0"/>
+              <a:t>获得</a:t>
+            </a:r>
+            <a:r>
+              <a:rPr lang="en-US" altLang="zh-CN" dirty="0" smtClean="0"/>
+              <a:t>Hierarchy</a:t>
+            </a:r>
+            <a:r>
+              <a:rPr lang="zh-CN" altLang="en-US" dirty="0" smtClean="0"/>
+              <a:t>里的</a:t>
+            </a:r>
+            <a:r>
+              <a:rPr lang="en-US" altLang="zh-CN" dirty="0" smtClean="0"/>
+              <a:t>Component</a:t>
             </a:r>
             <a:br>
               <a:rPr lang="en-US" altLang="zh-CN" dirty="0" smtClean="0"/>
             </a:br>
             <a:r>
-              <a:rPr lang="en-US" altLang="zh-CN" dirty="0" smtClean="0"/>
-              <a:t>        </a:t>
-            </a:r>
-            <a:r>
               <a:rPr lang="en-US" altLang="zh-CN" dirty="0" err="1" smtClean="0"/>
-              <a:t>var</a:t>
-            </a:r>
-            <a:r>
-              <a:rPr lang="en-US" altLang="zh-CN" dirty="0" smtClean="0"/>
-              <a:t> </a:t>
-            </a:r>
-            <a:r>
-              <a:rPr lang="en-US" altLang="zh-CN" dirty="0"/>
-              <a:t>c = </a:t>
-            </a:r>
-            <a:r>
-              <a:rPr lang="en-US" altLang="zh-CN" dirty="0" err="1"/>
-              <a:t>renderer.material.color</a:t>
-            </a:r>
-            <a:r>
-              <a:rPr lang="en-US" altLang="zh-CN" dirty="0" smtClean="0"/>
-              <a:t>;</a:t>
-            </a:r>
-            <a:br>
-              <a:rPr lang="en-US" altLang="zh-CN" dirty="0" smtClean="0"/>
-            </a:br>
-            <a:r>
-              <a:rPr lang="en-US" altLang="zh-CN" dirty="0" smtClean="0"/>
-              <a:t>        </a:t>
-            </a:r>
-            <a:r>
-              <a:rPr lang="en-US" altLang="zh-CN" dirty="0" err="1"/>
-              <a:t>c.a</a:t>
-            </a:r>
-            <a:r>
-              <a:rPr lang="en-US" altLang="zh-CN" dirty="0"/>
-              <a:t> = f</a:t>
-            </a:r>
-            <a:r>
-              <a:rPr lang="en-US" altLang="zh-CN" dirty="0" smtClean="0"/>
-              <a:t>;</a:t>
-            </a:r>
-            <a:br>
-              <a:rPr lang="en-US" altLang="zh-CN" dirty="0" smtClean="0"/>
-            </a:br>
-            <a:r>
-              <a:rPr lang="en-US" altLang="zh-CN" dirty="0" smtClean="0"/>
-              <a:t>        </a:t>
-            </a:r>
-            <a:r>
-              <a:rPr lang="en-US" altLang="zh-CN" dirty="0" err="1"/>
-              <a:t>renderer.material.color</a:t>
-            </a:r>
-            <a:r>
-              <a:rPr lang="en-US" altLang="zh-CN" dirty="0"/>
-              <a:t> = c</a:t>
-            </a:r>
-            <a:r>
-              <a:rPr lang="en-US" altLang="zh-CN" dirty="0" smtClean="0"/>
-              <a:t>;</a:t>
-            </a:r>
-            <a:br>
-              <a:rPr lang="en-US" altLang="zh-CN" dirty="0" smtClean="0"/>
-            </a:br>
-            <a:r>
-              <a:rPr lang="en-US" altLang="zh-CN" dirty="0" smtClean="0"/>
-              <a:t>        </a:t>
-            </a:r>
-            <a:r>
-              <a:rPr lang="en-US" altLang="zh-CN" dirty="0"/>
-              <a:t>yield return new </a:t>
-            </a:r>
-            <a:r>
-              <a:rPr lang="en-US" altLang="zh-CN" dirty="0" err="1"/>
-              <a:t>WaitForSeconds</a:t>
-            </a:r>
-            <a:r>
-              <a:rPr lang="en-US" altLang="zh-CN" dirty="0"/>
-              <a:t>(.1f</a:t>
-            </a:r>
-            <a:r>
-              <a:rPr lang="en-US" altLang="zh-CN" dirty="0" smtClean="0"/>
-              <a:t>);</a:t>
-            </a:r>
-            <a:br>
-              <a:rPr lang="en-US" altLang="zh-CN" dirty="0" smtClean="0"/>
-            </a:br>
-            <a:r>
-              <a:rPr lang="en-US" altLang="zh-CN" dirty="0" smtClean="0"/>
-              <a:t>    }</a:t>
-            </a:r>
-            <a:br>
-              <a:rPr lang="en-US" altLang="zh-CN" dirty="0" smtClean="0"/>
-            </a:br>
-            <a:r>
-              <a:rPr lang="en-US" altLang="zh-CN" dirty="0" smtClean="0"/>
-              <a:t>}</a:t>
-            </a:r>
-            <a:endParaRPr lang="en-US" altLang="zh-CN" dirty="0"/>
-          </a:p>
-          <a:p>
-            <a:r>
-              <a:rPr lang="en-US" altLang="zh-CN" b="1" dirty="0" err="1" smtClean="0"/>
-              <a:t>MonoBehaviour</a:t>
-            </a:r>
-            <a:r>
-              <a:rPr lang="en-US" altLang="zh-CN" dirty="0" err="1" smtClean="0"/>
-              <a:t>.</a:t>
-            </a:r>
-            <a:r>
-              <a:rPr lang="en-US" altLang="zh-CN" b="1" dirty="0" err="1" smtClean="0"/>
-              <a:t>StartCoroutine</a:t>
-            </a:r>
-            <a:r>
-              <a:rPr lang="en-US" altLang="zh-CN" dirty="0" smtClean="0"/>
-              <a:t>(</a:t>
-            </a:r>
-            <a:r>
-              <a:rPr lang="en-US" altLang="zh-CN" dirty="0" err="1" smtClean="0"/>
-              <a:t>IEnumerator</a:t>
-            </a:r>
-            <a:r>
-              <a:rPr lang="en-US" altLang="zh-CN" dirty="0"/>
-              <a:t> </a:t>
-            </a:r>
-            <a:r>
-              <a:rPr lang="en-US" altLang="zh-CN" b="1" dirty="0" smtClean="0"/>
-              <a:t>routine</a:t>
-            </a:r>
-            <a:r>
-              <a:rPr lang="en-US" altLang="zh-CN" dirty="0" smtClean="0"/>
-              <a:t>)</a:t>
-            </a:r>
-            <a:r>
-              <a:rPr lang="zh-CN" altLang="en-US" dirty="0" smtClean="0"/>
-              <a:t>启动</a:t>
-            </a:r>
-            <a:endParaRPr lang="en-US" altLang="zh-CN" dirty="0" smtClean="0"/>
-          </a:p>
-          <a:p>
-            <a:r>
-              <a:rPr lang="zh-CN" altLang="en-US" dirty="0" smtClean="0"/>
-              <a:t>等待 </a:t>
-            </a:r>
-            <a:r>
-              <a:rPr lang="en-US" altLang="zh-CN" b="1" dirty="0" err="1" smtClean="0"/>
-              <a:t>WaitForSeconds</a:t>
+              <a:t>Component</a:t>
             </a:r>
             <a:r>
               <a:rPr lang="en-US" altLang="zh-CN" b="1" dirty="0" smtClean="0"/>
@@ -13922,39 +13801,155 @@
             </a:r>
             <a:r>
               <a:rPr lang="en-US" altLang="zh-CN" b="1" dirty="0" err="1" smtClean="0"/>
-              <a:t>WaitForEndOfFrame</a:t>
+              <a:t>GetComponent</a:t>
+            </a:r>
+            <a:r>
+              <a:rPr lang="en-US" altLang="zh-CN" dirty="0" smtClean="0"/>
+              <a:t>&lt;</a:t>
             </a:r>
             <a:r>
               <a:rPr lang="en-US" altLang="zh-CN" b="1" dirty="0" smtClean="0"/>
-              <a:t> </a:t>
+              <a:t>T</a:t>
+            </a:r>
+            <a:r>
+              <a:rPr lang="en-US" altLang="zh-CN" dirty="0" smtClean="0"/>
+              <a:t>&gt;()</a:t>
+            </a:r>
+            <a:br>
+              <a:rPr lang="en-US" altLang="zh-CN" dirty="0" smtClean="0"/>
+            </a:br>
+            <a:r>
+              <a:rPr lang="en-US" altLang="zh-CN" dirty="0" smtClean="0"/>
+              <a:t>Component </a:t>
             </a:r>
             <a:r>
               <a:rPr lang="en-US" altLang="zh-CN" b="1" dirty="0" err="1" smtClean="0"/>
-              <a:t>WaitWhile</a:t>
+              <a:t>GetComponentInChildren</a:t>
+            </a:r>
+            <a:r>
+              <a:rPr lang="en-US" altLang="zh-CN" dirty="0" smtClean="0"/>
+              <a:t>&lt;</a:t>
             </a:r>
             <a:r>
               <a:rPr lang="en-US" altLang="zh-CN" b="1" dirty="0" smtClean="0"/>
-              <a:t> </a:t>
-            </a:r>
-            <a:r>
-              <a:rPr lang="en-US" altLang="zh-CN" b="1" dirty="0" err="1"/>
-              <a:t>WaitUntil</a:t>
-            </a:r>
-            <a:endParaRPr lang="en-US" altLang="zh-CN" b="1" dirty="0"/>
-          </a:p>
-          <a:p>
-            <a:endParaRPr lang="en-US" altLang="zh-CN" b="1" dirty="0"/>
-          </a:p>
-          <a:p>
-            <a:endParaRPr lang="en-US" altLang="zh-CN" b="1" dirty="0"/>
-          </a:p>
-          <a:p>
-            <a:endParaRPr lang="en-US" altLang="zh-CN" b="1" dirty="0"/>
-          </a:p>
-          <a:p>
-            <a:endParaRPr lang="en-US" altLang="zh-CN" dirty="0"/>
-          </a:p>
-          <a:p>
+              <a:t>T</a:t>
+            </a:r>
+            <a:r>
+              <a:rPr lang="en-US" altLang="zh-CN" dirty="0" smtClean="0"/>
+              <a:t>&gt;()</a:t>
+            </a:r>
+            <a:br>
+              <a:rPr lang="en-US" altLang="zh-CN" dirty="0" smtClean="0"/>
+            </a:br>
+            <a:r>
+              <a:rPr lang="en-US" altLang="zh-CN" dirty="0" smtClean="0"/>
+              <a:t>Component </a:t>
+            </a:r>
+            <a:r>
+              <a:rPr lang="en-US" altLang="zh-CN" b="1" dirty="0" err="1" smtClean="0"/>
+              <a:t>GetComponentInParent</a:t>
+            </a:r>
+            <a:r>
+              <a:rPr lang="en-US" altLang="zh-CN" dirty="0" smtClean="0"/>
+              <a:t>&lt;</a:t>
+            </a:r>
+            <a:r>
+              <a:rPr lang="en-US" altLang="zh-CN" b="1" dirty="0" smtClean="0"/>
+              <a:t>T</a:t>
+            </a:r>
+            <a:r>
+              <a:rPr lang="en-US" altLang="zh-CN" dirty="0" smtClean="0"/>
+              <a:t>&gt;()</a:t>
+            </a:r>
+            <a:endParaRPr lang="zh-CN" altLang="en-US" dirty="0"/>
+          </a:p>
+          <a:p>
+            <a:r>
+              <a:rPr lang="zh-CN" altLang="en-US" dirty="0" smtClean="0"/>
+              <a:t>实例化和删除</a:t>
+            </a:r>
+            <a:r>
+              <a:rPr lang="en-US" altLang="zh-CN" dirty="0" smtClean="0"/>
+              <a:t/>
+            </a:r>
+            <a:br>
+              <a:rPr lang="en-US" altLang="zh-CN" dirty="0" smtClean="0"/>
+            </a:br>
+            <a:r>
+              <a:rPr lang="en-US" altLang="zh-CN" dirty="0" smtClean="0"/>
+              <a:t>static </a:t>
+            </a:r>
+            <a:r>
+              <a:rPr lang="en-US" altLang="zh-CN" dirty="0"/>
+              <a:t>void </a:t>
+            </a:r>
+            <a:r>
+              <a:rPr lang="en-US" altLang="zh-CN" dirty="0" err="1" smtClean="0"/>
+              <a:t>Object.</a:t>
+            </a:r>
+            <a:r>
+              <a:rPr lang="en-US" altLang="zh-CN" b="1" dirty="0" err="1" smtClean="0"/>
+              <a:t>Destroy</a:t>
+            </a:r>
+            <a:r>
+              <a:rPr lang="en-US" altLang="zh-CN" dirty="0" smtClean="0"/>
+              <a:t>(Object </a:t>
+            </a:r>
+            <a:r>
+              <a:rPr lang="en-US" altLang="zh-CN" b="1" dirty="0" err="1" smtClean="0"/>
+              <a:t>obj</a:t>
+            </a:r>
+            <a:r>
+              <a:rPr lang="en-US" altLang="zh-CN" dirty="0"/>
+              <a:t>, float </a:t>
+            </a:r>
+            <a:r>
+              <a:rPr lang="en-US" altLang="zh-CN" b="1" dirty="0"/>
+              <a:t>t</a:t>
+            </a:r>
+            <a:r>
+              <a:rPr lang="en-US" altLang="zh-CN" dirty="0"/>
+              <a:t> = 0.0F</a:t>
+            </a:r>
+            <a:r>
+              <a:rPr lang="en-US" altLang="zh-CN" dirty="0" smtClean="0"/>
+              <a:t>);</a:t>
+            </a:r>
+            <a:r>
+              <a:rPr lang="en-US" altLang="zh-CN" dirty="0"/>
+              <a:t/>
+            </a:r>
+            <a:br>
+              <a:rPr lang="en-US" altLang="zh-CN" dirty="0"/>
+            </a:br>
+            <a:r>
+              <a:rPr lang="en-US" altLang="zh-CN" dirty="0"/>
+              <a:t>public static </a:t>
+            </a:r>
+            <a:r>
+              <a:rPr lang="en-US" altLang="zh-CN" dirty="0" smtClean="0"/>
+              <a:t>Object </a:t>
+            </a:r>
+            <a:r>
+              <a:rPr lang="en-US" altLang="zh-CN" dirty="0" err="1"/>
+              <a:t>Object.</a:t>
+            </a:r>
+            <a:r>
+              <a:rPr lang="en-US" altLang="zh-CN" b="1" dirty="0" err="1" smtClean="0"/>
+              <a:t>Instantiate</a:t>
+            </a:r>
+            <a:r>
+              <a:rPr lang="en-US" altLang="zh-CN" dirty="0" smtClean="0"/>
+              <a:t>(Object </a:t>
+            </a:r>
+            <a:r>
+              <a:rPr lang="en-US" altLang="zh-CN" b="1" dirty="0" smtClean="0"/>
+              <a:t>original</a:t>
+            </a:r>
+            <a:r>
+              <a:rPr lang="en-US" altLang="zh-CN" dirty="0" smtClean="0"/>
+              <a:t>);</a:t>
+            </a:r>
             <a:endParaRPr lang="zh-CN" altLang="en-US" dirty="0"/>
           </a:p>
         </p:txBody>
@@ -13962,7 +13957,7 @@
     </p:spTree>
     <p:extLst>
       <p:ext uri="{BB962C8B-B14F-4D97-AF65-F5344CB8AC3E}">
-        <p14:creationId xmlns:p14="http://schemas.microsoft.com/office/powerpoint/2010/main" val="2687059169"/>
+        <p14:creationId xmlns:p14="http://schemas.microsoft.com/office/powerpoint/2010/main" val="1954467431"/>
       </p:ext>
     </p:extLst>
   </p:cSld>
@@ -14017,12 +14012,8 @@
           <a:lstStyle/>
           <a:p>
             <a:r>
-              <a:rPr lang="en-US" altLang="zh-CN" dirty="0" err="1" smtClean="0"/>
-              <a:t>GameObject</a:t>
-            </a:r>
-            <a:r>
-              <a:rPr lang="en-US" altLang="zh-CN" dirty="0" smtClean="0"/>
-              <a:t> Component</a:t>
+              <a:rPr lang="en-US" altLang="zh-CN" dirty="0" smtClean="0"/>
+              <a:t>Transform</a:t>
             </a:r>
             <a:endParaRPr lang="zh-CN" altLang="en-US" dirty="0"/>
           </a:p>
@@ -14040,246 +14031,281 @@
         </p:nvSpPr>
         <p:spPr/>
         <p:txBody>
-          <a:bodyPr/>
+          <a:bodyPr>
+            <a:normAutofit fontScale="92500" lnSpcReduction="20000"/>
+          </a:bodyPr>
           <a:lstStyle/>
           <a:p>
             <a:r>
-              <a:rPr lang="en-US" altLang="zh-CN" dirty="0" smtClean="0"/>
-              <a:t>Component</a:t>
-            </a:r>
-            <a:r>
-              <a:rPr lang="zh-CN" altLang="en-US" dirty="0" smtClean="0"/>
-              <a:t>获得</a:t>
-            </a:r>
-            <a:r>
-              <a:rPr lang="en-US" altLang="zh-CN" dirty="0" err="1" smtClean="0"/>
-              <a:t>GameObject</a:t>
-            </a:r>
-            <a:r>
-              <a:rPr lang="en-US" altLang="zh-CN" dirty="0" smtClean="0"/>
-              <a:t/>
-            </a:r>
-            <a:br>
-              <a:rPr lang="en-US" altLang="zh-CN" dirty="0" smtClean="0"/>
-            </a:br>
-            <a:r>
-              <a:rPr lang="en-US" altLang="zh-CN" dirty="0" err="1" smtClean="0"/>
-              <a:t>Component.</a:t>
-            </a:r>
-            <a:r>
-              <a:rPr lang="en-US" altLang="zh-CN" b="1" dirty="0" err="1" smtClean="0"/>
-              <a:t>gameObject</a:t>
-            </a:r>
-            <a:endParaRPr lang="en-US" altLang="zh-CN" dirty="0" smtClean="0"/>
-          </a:p>
-          <a:p>
-            <a:r>
-              <a:rPr lang="zh-CN" altLang="en-US" dirty="0" smtClean="0"/>
-              <a:t>获得</a:t>
-            </a:r>
-            <a:r>
-              <a:rPr lang="en-US" altLang="zh-CN" dirty="0" smtClean="0"/>
-              <a:t>Transform</a:t>
-            </a:r>
-            <a:br>
-              <a:rPr lang="en-US" altLang="zh-CN" dirty="0" smtClean="0"/>
-            </a:br>
-            <a:r>
-              <a:rPr lang="en-US" altLang="zh-CN" dirty="0" err="1" smtClean="0"/>
-              <a:t>Transform</a:t>
-            </a:r>
-            <a:r>
-              <a:rPr lang="en-US" altLang="zh-CN" dirty="0" smtClean="0"/>
-              <a:t> </a:t>
+              <a:rPr lang="zh-CN" altLang="en-US" dirty="0" smtClean="0"/>
+              <a:t>线性代数：计算机图形学 </a:t>
+            </a:r>
+            <a:r>
+              <a:rPr lang="en-US" altLang="zh-CN" dirty="0" smtClean="0"/>
+              <a:t>Position</a:t>
+            </a:r>
+            <a:r>
+              <a:rPr lang="zh-CN" altLang="en-US" dirty="0" smtClean="0"/>
+              <a:t>、</a:t>
+            </a:r>
+            <a:r>
+              <a:rPr lang="en-US" altLang="zh-CN" dirty="0" smtClean="0"/>
+              <a:t>Rotation</a:t>
+            </a:r>
+            <a:r>
+              <a:rPr lang="zh-CN" altLang="en-US" dirty="0" smtClean="0"/>
+              <a:t>、</a:t>
+            </a:r>
+            <a:r>
+              <a:rPr lang="en-US" altLang="zh-CN" dirty="0" smtClean="0"/>
+              <a:t>Scale</a:t>
+            </a:r>
+          </a:p>
+          <a:p>
+            <a:r>
+              <a:rPr lang="en-US" altLang="zh-CN" dirty="0" smtClean="0"/>
+              <a:t>Hierarchy</a:t>
+            </a:r>
+          </a:p>
+          <a:p>
+            <a:pPr lvl="1"/>
+            <a:r>
+              <a:rPr lang="en-US" altLang="zh-CN" dirty="0" smtClean="0"/>
+              <a:t>Transform </a:t>
+            </a:r>
+            <a:r>
+              <a:rPr lang="en-US" altLang="zh-CN" b="1" dirty="0"/>
+              <a:t>parent</a:t>
+            </a:r>
+            <a:r>
+              <a:rPr lang="en-US" altLang="zh-CN" dirty="0" smtClean="0"/>
+              <a:t>, </a:t>
+            </a:r>
+            <a:r>
+              <a:rPr lang="en-US" altLang="zh-CN" b="1" dirty="0"/>
+              <a:t>root</a:t>
+            </a:r>
+            <a:r>
+              <a:rPr lang="en-US" altLang="zh-CN" dirty="0" smtClean="0"/>
+              <a:t>;</a:t>
+            </a:r>
+          </a:p>
+          <a:p>
+            <a:pPr lvl="1"/>
+            <a:r>
+              <a:rPr lang="en-US" altLang="zh-CN" dirty="0" smtClean="0"/>
+              <a:t>Transform </a:t>
+            </a:r>
+            <a:r>
+              <a:rPr lang="en-US" altLang="zh-CN" b="1" dirty="0" smtClean="0"/>
+              <a:t>Find</a:t>
+            </a:r>
+            <a:r>
+              <a:rPr lang="en-US" altLang="zh-CN" dirty="0" smtClean="0"/>
+              <a:t>(string </a:t>
+            </a:r>
+            <a:r>
+              <a:rPr lang="en-US" altLang="zh-CN" b="1" dirty="0" smtClean="0"/>
+              <a:t>name</a:t>
+            </a:r>
+            <a:r>
+              <a:rPr lang="en-US" altLang="zh-CN" dirty="0" smtClean="0"/>
+              <a:t>);</a:t>
+            </a:r>
+          </a:p>
+          <a:p>
+            <a:r>
+              <a:rPr lang="en-US" altLang="zh-CN" dirty="0" smtClean="0"/>
+              <a:t>World Space</a:t>
+            </a:r>
+          </a:p>
+          <a:p>
+            <a:pPr lvl="1"/>
+            <a:r>
+              <a:rPr lang="en-US" altLang="zh-CN" dirty="0" smtClean="0"/>
+              <a:t>Vector3 </a:t>
+            </a:r>
+            <a:r>
+              <a:rPr lang="en-US" altLang="zh-CN" b="1" dirty="0"/>
+              <a:t>position</a:t>
+            </a:r>
+            <a:r>
+              <a:rPr lang="en-US" altLang="zh-CN" dirty="0" smtClean="0"/>
+              <a:t>;</a:t>
+            </a:r>
+          </a:p>
+          <a:p>
+            <a:pPr lvl="1"/>
+            <a:r>
+              <a:rPr lang="en-US" altLang="zh-CN" dirty="0"/>
+              <a:t>Quaternion </a:t>
+            </a:r>
+            <a:r>
+              <a:rPr lang="en-US" altLang="zh-CN" b="1" dirty="0"/>
+              <a:t>rotation</a:t>
+            </a:r>
+            <a:r>
+              <a:rPr lang="en-US" altLang="zh-CN" dirty="0"/>
+              <a:t>; </a:t>
+            </a:r>
+            <a:r>
+              <a:rPr lang="en-US" altLang="zh-CN" dirty="0" smtClean="0"/>
+              <a:t>Vector3</a:t>
+            </a:r>
+            <a:r>
+              <a:rPr lang="en-US" altLang="zh-CN" dirty="0"/>
+              <a:t> </a:t>
             </a:r>
             <a:r>
               <a:rPr lang="en-US" altLang="zh-CN" b="1" dirty="0" err="1"/>
-              <a:t>transform</a:t>
-            </a:r>
-            <a:r>
-              <a:rPr lang="en-US" altLang="zh-CN" dirty="0"/>
+              <a:t>eulerAngles</a:t>
+            </a:r>
+            <a:r>
+              <a:rPr lang="en-US" altLang="zh-CN" dirty="0" smtClean="0"/>
               <a:t>;</a:t>
             </a:r>
           </a:p>
           <a:p>
-            <a:r>
-              <a:rPr lang="zh-CN" altLang="en-US" dirty="0" smtClean="0"/>
-              <a:t>获得</a:t>
-            </a:r>
-            <a:r>
-              <a:rPr lang="en-US" altLang="zh-CN" dirty="0" smtClean="0"/>
-              <a:t>Hierarchy</a:t>
-            </a:r>
-            <a:r>
-              <a:rPr lang="zh-CN" altLang="en-US" dirty="0" smtClean="0"/>
-              <a:t>里的</a:t>
-            </a:r>
-            <a:r>
-              <a:rPr lang="en-US" altLang="zh-CN" dirty="0" smtClean="0"/>
-              <a:t>Component</a:t>
-            </a:r>
-            <a:br>
-              <a:rPr lang="en-US" altLang="zh-CN" dirty="0" smtClean="0"/>
-            </a:br>
-            <a:r>
-              <a:rPr lang="en-US" altLang="zh-CN" dirty="0" err="1" smtClean="0"/>
-              <a:t>Component</a:t>
+            <a:pPr lvl="1"/>
+            <a:r>
+              <a:rPr lang="en-US" altLang="zh-CN" dirty="0" smtClean="0"/>
+              <a:t>Vector3 </a:t>
+            </a:r>
+            <a:r>
+              <a:rPr lang="en-US" altLang="zh-CN" b="1" dirty="0"/>
+              <a:t>forward</a:t>
+            </a:r>
+            <a:r>
+              <a:rPr lang="en-US" altLang="zh-CN" dirty="0" smtClean="0"/>
+              <a:t>, </a:t>
+            </a:r>
+            <a:r>
+              <a:rPr lang="en-US" altLang="zh-CN" b="1" dirty="0"/>
+              <a:t>right</a:t>
+            </a:r>
+            <a:r>
+              <a:rPr lang="en-US" altLang="zh-CN" dirty="0" smtClean="0"/>
+              <a:t>, </a:t>
+            </a:r>
+            <a:r>
+              <a:rPr lang="en-US" altLang="zh-CN" b="1" dirty="0"/>
+              <a:t>up</a:t>
+            </a:r>
+            <a:r>
+              <a:rPr lang="en-US" altLang="zh-CN" dirty="0" smtClean="0"/>
+              <a:t>;</a:t>
+            </a:r>
+          </a:p>
+          <a:p>
+            <a:r>
+              <a:rPr lang="en-US" altLang="zh-CN" dirty="0" smtClean="0"/>
+              <a:t>Local Space</a:t>
+            </a:r>
+          </a:p>
+          <a:p>
+            <a:pPr lvl="1"/>
+            <a:r>
+              <a:rPr lang="en-US" altLang="zh-CN" b="1" dirty="0" err="1"/>
+              <a:t>localPosition</a:t>
+            </a:r>
+            <a:r>
+              <a:rPr lang="en-US" altLang="zh-CN" dirty="0"/>
+              <a:t>, </a:t>
+            </a:r>
+            <a:r>
+              <a:rPr lang="en-US" altLang="zh-CN" b="1" dirty="0" err="1"/>
+              <a:t>localRotation</a:t>
+            </a:r>
+            <a:r>
+              <a:rPr lang="en-US" altLang="zh-CN" dirty="0"/>
+              <a:t>, </a:t>
+            </a:r>
+            <a:r>
+              <a:rPr lang="en-US" altLang="zh-CN" b="1" dirty="0" err="1"/>
+              <a:t>localEulerAngles</a:t>
+            </a:r>
+            <a:endParaRPr lang="en-US" altLang="zh-CN" b="1" dirty="0"/>
+          </a:p>
+          <a:p>
+            <a:pPr lvl="1"/>
+            <a:r>
+              <a:rPr lang="en-US" altLang="zh-CN" dirty="0" smtClean="0"/>
+              <a:t>void </a:t>
             </a:r>
             <a:r>
               <a:rPr lang="en-US" altLang="zh-CN" b="1" dirty="0" smtClean="0"/>
-              <a:t> </a:t>
-            </a:r>
-            <a:r>
-              <a:rPr lang="en-US" altLang="zh-CN" b="1" dirty="0" err="1" smtClean="0"/>
-              <a:t>GetComponent</a:t>
-            </a:r>
-            <a:r>
-              <a:rPr lang="en-US" altLang="zh-CN" dirty="0" smtClean="0"/>
-              <a:t>&lt;</a:t>
+              <a:t>Translate</a:t>
+            </a:r>
+            <a:r>
+              <a:rPr lang="en-US" altLang="zh-CN" dirty="0" smtClean="0"/>
+              <a:t>(Vector3 </a:t>
+            </a:r>
+            <a:r>
+              <a:rPr lang="en-US" altLang="zh-CN" b="1" dirty="0"/>
+              <a:t>translation</a:t>
+            </a:r>
+            <a:r>
+              <a:rPr lang="en-US" altLang="zh-CN" dirty="0"/>
+              <a:t>, Space </a:t>
+            </a:r>
+            <a:r>
+              <a:rPr lang="en-US" altLang="zh-CN" b="1" dirty="0" err="1"/>
+              <a:t>relativeTo</a:t>
+            </a:r>
+            <a:r>
+              <a:rPr lang="en-US" altLang="zh-CN" dirty="0"/>
+              <a:t> = </a:t>
+            </a:r>
+            <a:r>
+              <a:rPr lang="en-US" altLang="zh-CN" dirty="0" err="1"/>
+              <a:t>Space.Self</a:t>
+            </a:r>
+            <a:r>
+              <a:rPr lang="en-US" altLang="zh-CN" dirty="0"/>
+              <a:t>);</a:t>
+            </a:r>
+          </a:p>
+          <a:p>
+            <a:pPr lvl="1"/>
+            <a:r>
+              <a:rPr lang="en-US" altLang="zh-CN" dirty="0"/>
+              <a:t>void </a:t>
             </a:r>
             <a:r>
               <a:rPr lang="en-US" altLang="zh-CN" b="1" dirty="0" smtClean="0"/>
-              <a:t>T</a:t>
-            </a:r>
-            <a:r>
-              <a:rPr lang="en-US" altLang="zh-CN" dirty="0" smtClean="0"/>
-              <a:t>&gt;()</a:t>
-            </a:r>
-            <a:br>
-              <a:rPr lang="en-US" altLang="zh-CN" dirty="0" smtClean="0"/>
-            </a:br>
-            <a:r>
-              <a:rPr lang="en-US" altLang="zh-CN" dirty="0" smtClean="0"/>
-              <a:t>Component </a:t>
-            </a:r>
-            <a:r>
-              <a:rPr lang="en-US" altLang="zh-CN" b="1" dirty="0" err="1" smtClean="0"/>
-              <a:t>GetComponentInChildren</a:t>
-            </a:r>
-            <a:r>
-              <a:rPr lang="en-US" altLang="zh-CN" dirty="0" smtClean="0"/>
-              <a:t>&lt;</a:t>
-            </a:r>
-            <a:r>
-              <a:rPr lang="en-US" altLang="zh-CN" b="1" dirty="0" smtClean="0"/>
-              <a:t>T</a:t>
-            </a:r>
-            <a:r>
-              <a:rPr lang="en-US" altLang="zh-CN" dirty="0" smtClean="0"/>
-              <a:t>&gt;()</a:t>
-            </a:r>
-            <a:br>
-              <a:rPr lang="en-US" altLang="zh-CN" dirty="0" smtClean="0"/>
-            </a:br>
-            <a:r>
-              <a:rPr lang="en-US" altLang="zh-CN" dirty="0" smtClean="0"/>
-              <a:t>Component </a:t>
-            </a:r>
-            <a:r>
-              <a:rPr lang="en-US" altLang="zh-CN" b="1" dirty="0" err="1" smtClean="0"/>
-              <a:t>GetComponentInParent</a:t>
-            </a:r>
-            <a:r>
-              <a:rPr lang="en-US" altLang="zh-CN" dirty="0" smtClean="0"/>
-              <a:t>&lt;</a:t>
-            </a:r>
-            <a:r>
-              <a:rPr lang="en-US" altLang="zh-CN" b="1" dirty="0" smtClean="0"/>
-              <a:t>T</a:t>
-            </a:r>
-            <a:r>
-              <a:rPr lang="en-US" altLang="zh-CN" dirty="0" smtClean="0"/>
-              <a:t>&gt;()</a:t>
-            </a:r>
-            <a:endParaRPr lang="zh-CN" altLang="en-US" dirty="0"/>
-          </a:p>
-          <a:p>
-            <a:r>
-              <a:rPr lang="zh-CN" altLang="en-US" dirty="0" smtClean="0"/>
-              <a:t>实例化和删除</a:t>
-            </a:r>
-            <a:r>
-              <a:rPr lang="en-US" altLang="zh-CN" dirty="0" smtClean="0"/>
-              <a:t/>
-            </a:r>
-            <a:br>
-              <a:rPr lang="en-US" altLang="zh-CN" dirty="0" smtClean="0"/>
-            </a:br>
-            <a:r>
-              <a:rPr lang="en-US" altLang="zh-CN" dirty="0" smtClean="0"/>
-              <a:t>static </a:t>
-            </a:r>
-            <a:r>
-              <a:rPr lang="en-US" altLang="zh-CN" dirty="0"/>
-              <a:t>void </a:t>
-            </a:r>
-            <a:r>
-              <a:rPr lang="en-US" altLang="zh-CN" dirty="0" err="1" smtClean="0"/>
-              <a:t>Object.</a:t>
-            </a:r>
-            <a:r>
-              <a:rPr lang="en-US" altLang="zh-CN" b="1" dirty="0" err="1" smtClean="0"/>
-              <a:t>Destroy</a:t>
-            </a:r>
-            <a:r>
-              <a:rPr lang="en-US" altLang="zh-CN" dirty="0" smtClean="0"/>
-              <a:t>(Object </a:t>
-            </a:r>
-            <a:r>
-              <a:rPr lang="en-US" altLang="zh-CN" b="1" dirty="0" err="1" smtClean="0"/>
-              <a:t>obj</a:t>
-            </a:r>
-            <a:r>
-              <a:rPr lang="en-US" altLang="zh-CN" dirty="0"/>
-              <a:t>, float </a:t>
-            </a:r>
-            <a:r>
-              <a:rPr lang="en-US" altLang="zh-CN" b="1" dirty="0"/>
-              <a:t>t</a:t>
-            </a:r>
-            <a:r>
-              <a:rPr lang="en-US" altLang="zh-CN" dirty="0"/>
-              <a:t> = 0.0F</a:t>
-            </a:r>
-            <a:r>
-              <a:rPr lang="en-US" altLang="zh-CN" dirty="0" smtClean="0"/>
+              <a:t>Rotate</a:t>
+            </a:r>
+            <a:r>
+              <a:rPr lang="en-US" altLang="zh-CN" dirty="0" smtClean="0"/>
+              <a:t>(Vector3 </a:t>
+            </a:r>
+            <a:r>
+              <a:rPr lang="en-US" altLang="zh-CN" b="1" dirty="0" err="1"/>
+              <a:t>eulerAngles</a:t>
+            </a:r>
+            <a:r>
+              <a:rPr lang="en-US" altLang="zh-CN" dirty="0"/>
+              <a:t>, Space </a:t>
+            </a:r>
+            <a:r>
+              <a:rPr lang="en-US" altLang="zh-CN" b="1" dirty="0" err="1"/>
+              <a:t>relativeTo</a:t>
+            </a:r>
+            <a:r>
+              <a:rPr lang="en-US" altLang="zh-CN" dirty="0"/>
+              <a:t> = </a:t>
+            </a:r>
+            <a:r>
+              <a:rPr lang="en-US" altLang="zh-CN" dirty="0" err="1"/>
+              <a:t>Space.Self</a:t>
+            </a:r>
+            <a:r>
+              <a:rPr lang="en-US" altLang="zh-CN" dirty="0"/>
               <a:t>);</a:t>
             </a:r>
-            <a:r>
-              <a:rPr lang="en-US" altLang="zh-CN" dirty="0"/>
-              <a:t/>
-            </a:r>
-            <a:br>
-              <a:rPr lang="en-US" altLang="zh-CN" dirty="0"/>
-            </a:br>
-            <a:r>
-              <a:rPr lang="en-US" altLang="zh-CN" dirty="0"/>
-              <a:t>public static </a:t>
-            </a:r>
-            <a:r>
-              <a:rPr lang="en-US" altLang="zh-CN" dirty="0" smtClean="0"/>
-              <a:t>Object </a:t>
-            </a:r>
-            <a:r>
-              <a:rPr lang="en-US" altLang="zh-CN" dirty="0" err="1"/>
-              <a:t>Object.</a:t>
-            </a:r>
-            <a:r>
-              <a:rPr lang="en-US" altLang="zh-CN" b="1" dirty="0" err="1" smtClean="0"/>
-              <a:t>Instantiate</a:t>
-            </a:r>
-            <a:r>
-              <a:rPr lang="en-US" altLang="zh-CN" dirty="0" smtClean="0"/>
-              <a:t>(Object </a:t>
-            </a:r>
-            <a:r>
-              <a:rPr lang="en-US" altLang="zh-CN" b="1" dirty="0" smtClean="0"/>
-              <a:t>original</a:t>
-            </a:r>
-            <a:r>
-              <a:rPr lang="en-US" altLang="zh-CN" dirty="0" smtClean="0"/>
-              <a:t>);</a:t>
-            </a:r>
+          </a:p>
+          <a:p>
+            <a:pPr lvl="1"/>
             <a:endParaRPr lang="zh-CN" altLang="en-US" dirty="0"/>
           </a:p>
         </p:txBody>
@@ -14287,7 +14313,7 @@
     </p:spTree>
     <p:extLst>
       <p:ext uri="{BB962C8B-B14F-4D97-AF65-F5344CB8AC3E}">
-        <p14:creationId xmlns:p14="http://schemas.microsoft.com/office/powerpoint/2010/main" val="1954467431"/>
+        <p14:creationId xmlns:p14="http://schemas.microsoft.com/office/powerpoint/2010/main" val="2958768248"/>
       </p:ext>
     </p:extLst>
   </p:cSld>
@@ -14343,362 +14369,6 @@
           <a:p>
             <a:r>
               <a:rPr lang="en-US" altLang="zh-CN" dirty="0" smtClean="0"/>
-              <a:t>Transform</a:t>
-            </a:r>
-            <a:endParaRPr lang="zh-CN" altLang="en-US" dirty="0"/>
-          </a:p>
-        </p:txBody>
-      </p:sp>
-      <p:sp>
-        <p:nvSpPr>
-          <p:cNvPr id="3" name="内容占位符 2"/>
-          <p:cNvSpPr>
-            <a:spLocks noGrp="1"/>
-          </p:cNvSpPr>
-          <p:nvPr>
-            <p:ph idx="1"/>
-          </p:nvPr>
-        </p:nvSpPr>
-        <p:spPr/>
-        <p:txBody>
-          <a:bodyPr>
-            <a:normAutofit fontScale="92500" lnSpcReduction="20000"/>
-          </a:bodyPr>
-          <a:lstStyle/>
-          <a:p>
-            <a:r>
-              <a:rPr lang="zh-CN" altLang="en-US" dirty="0" smtClean="0"/>
-              <a:t>线性代数：计算机图形学 </a:t>
-            </a:r>
-            <a:r>
-              <a:rPr lang="en-US" altLang="zh-CN" dirty="0" smtClean="0"/>
-              <a:t>Position</a:t>
-            </a:r>
-            <a:r>
-              <a:rPr lang="zh-CN" altLang="en-US" dirty="0" smtClean="0"/>
-              <a:t>、</a:t>
-            </a:r>
-            <a:r>
-              <a:rPr lang="en-US" altLang="zh-CN" dirty="0" smtClean="0"/>
-              <a:t>Rotation</a:t>
-            </a:r>
-            <a:r>
-              <a:rPr lang="zh-CN" altLang="en-US" dirty="0" smtClean="0"/>
-              <a:t>、</a:t>
-            </a:r>
-            <a:r>
-              <a:rPr lang="en-US" altLang="zh-CN" dirty="0" smtClean="0"/>
-              <a:t>Scale</a:t>
-            </a:r>
-          </a:p>
-          <a:p>
-            <a:r>
-              <a:rPr lang="en-US" altLang="zh-CN" dirty="0" smtClean="0"/>
-              <a:t>Hierarchy</a:t>
-            </a:r>
-          </a:p>
-          <a:p>
-            <a:pPr lvl="1"/>
-            <a:r>
-              <a:rPr lang="en-US" altLang="zh-CN" dirty="0" smtClean="0"/>
-              <a:t>Transform </a:t>
-            </a:r>
-            <a:r>
-              <a:rPr lang="en-US" altLang="zh-CN" b="1" dirty="0"/>
-              <a:t>parent</a:t>
-            </a:r>
-            <a:r>
-              <a:rPr lang="en-US" altLang="zh-CN" dirty="0" smtClean="0"/>
-              <a:t>, </a:t>
-            </a:r>
-            <a:r>
-              <a:rPr lang="en-US" altLang="zh-CN" b="1" dirty="0"/>
-              <a:t>root</a:t>
-            </a:r>
-            <a:r>
-              <a:rPr lang="en-US" altLang="zh-CN" dirty="0" smtClean="0"/>
-              <a:t>;</a:t>
-            </a:r>
-          </a:p>
-          <a:p>
-            <a:pPr lvl="1"/>
-            <a:r>
-              <a:rPr lang="en-US" altLang="zh-CN" dirty="0" smtClean="0"/>
-              <a:t>Transform </a:t>
-            </a:r>
-            <a:r>
-              <a:rPr lang="en-US" altLang="zh-CN" b="1" dirty="0" smtClean="0"/>
-              <a:t>Find</a:t>
-            </a:r>
-            <a:r>
-              <a:rPr lang="en-US" altLang="zh-CN" dirty="0" smtClean="0"/>
-              <a:t>(string </a:t>
-            </a:r>
-            <a:r>
-              <a:rPr lang="en-US" altLang="zh-CN" b="1" dirty="0" smtClean="0"/>
-              <a:t>name</a:t>
-            </a:r>
-            <a:r>
-              <a:rPr lang="en-US" altLang="zh-CN" dirty="0" smtClean="0"/>
-              <a:t>);</a:t>
-            </a:r>
-          </a:p>
-          <a:p>
-            <a:r>
-              <a:rPr lang="en-US" altLang="zh-CN" dirty="0" smtClean="0"/>
-              <a:t>World Space</a:t>
-            </a:r>
-          </a:p>
-          <a:p>
-            <a:pPr lvl="1"/>
-            <a:r>
-              <a:rPr lang="en-US" altLang="zh-CN" dirty="0" smtClean="0"/>
-              <a:t>Vector3 </a:t>
-            </a:r>
-            <a:r>
-              <a:rPr lang="en-US" altLang="zh-CN" b="1" dirty="0"/>
-              <a:t>position</a:t>
-            </a:r>
-            <a:r>
-              <a:rPr lang="en-US" altLang="zh-CN" dirty="0" smtClean="0"/>
-              <a:t>;</a:t>
-            </a:r>
-          </a:p>
-          <a:p>
-            <a:pPr lvl="1"/>
-            <a:r>
-              <a:rPr lang="en-US" altLang="zh-CN" dirty="0"/>
-              <a:t>Quaternion </a:t>
-            </a:r>
-            <a:r>
-              <a:rPr lang="en-US" altLang="zh-CN" b="1" dirty="0"/>
-              <a:t>rotation</a:t>
-            </a:r>
-            <a:r>
-              <a:rPr lang="en-US" altLang="zh-CN" dirty="0"/>
-              <a:t>; </a:t>
-            </a:r>
-            <a:r>
-              <a:rPr lang="en-US" altLang="zh-CN" dirty="0" smtClean="0"/>
-              <a:t>Vector3</a:t>
-            </a:r>
-            <a:r>
-              <a:rPr lang="en-US" altLang="zh-CN" dirty="0"/>
-              <a:t> </a:t>
-            </a:r>
-            <a:r>
-              <a:rPr lang="en-US" altLang="zh-CN" b="1" dirty="0" err="1"/>
-              <a:t>eulerAngles</a:t>
-            </a:r>
-            <a:r>
-              <a:rPr lang="en-US" altLang="zh-CN" dirty="0" smtClean="0"/>
-              <a:t>;</a:t>
-            </a:r>
-          </a:p>
-          <a:p>
-            <a:pPr lvl="1"/>
-            <a:r>
-              <a:rPr lang="en-US" altLang="zh-CN" dirty="0" smtClean="0"/>
-              <a:t>Vector3 </a:t>
-            </a:r>
-            <a:r>
-              <a:rPr lang="en-US" altLang="zh-CN" b="1" dirty="0"/>
-              <a:t>forward</a:t>
-            </a:r>
-            <a:r>
-              <a:rPr lang="en-US" altLang="zh-CN" dirty="0" smtClean="0"/>
-              <a:t>, </a:t>
-            </a:r>
-            <a:r>
-              <a:rPr lang="en-US" altLang="zh-CN" b="1" dirty="0"/>
-              <a:t>right</a:t>
-            </a:r>
-            <a:r>
-              <a:rPr lang="en-US" altLang="zh-CN" dirty="0" smtClean="0"/>
-              <a:t>, </a:t>
-            </a:r>
-            <a:r>
-              <a:rPr lang="en-US" altLang="zh-CN" b="1" dirty="0"/>
-              <a:t>up</a:t>
-            </a:r>
-            <a:r>
-              <a:rPr lang="en-US" altLang="zh-CN" dirty="0" smtClean="0"/>
-              <a:t>;</a:t>
-            </a:r>
-          </a:p>
-          <a:p>
-            <a:r>
-              <a:rPr lang="en-US" altLang="zh-CN" dirty="0" smtClean="0"/>
-              <a:t>Local Space</a:t>
-            </a:r>
-          </a:p>
-          <a:p>
-            <a:pPr lvl="1"/>
-            <a:r>
-              <a:rPr lang="en-US" altLang="zh-CN" b="1" dirty="0" err="1"/>
-              <a:t>localPosition</a:t>
-            </a:r>
-            <a:r>
-              <a:rPr lang="en-US" altLang="zh-CN" dirty="0"/>
-              <a:t>, </a:t>
-            </a:r>
-            <a:r>
-              <a:rPr lang="en-US" altLang="zh-CN" b="1" dirty="0" err="1"/>
-              <a:t>localRotation</a:t>
-            </a:r>
-            <a:r>
-              <a:rPr lang="en-US" altLang="zh-CN" dirty="0"/>
-              <a:t>, </a:t>
-            </a:r>
-            <a:r>
-              <a:rPr lang="en-US" altLang="zh-CN" b="1" dirty="0" err="1"/>
-              <a:t>localEulerAngles</a:t>
-            </a:r>
-            <a:endParaRPr lang="en-US" altLang="zh-CN" b="1" dirty="0"/>
-          </a:p>
-          <a:p>
-            <a:pPr lvl="1"/>
-            <a:r>
-              <a:rPr lang="en-US" altLang="zh-CN" dirty="0" smtClean="0"/>
-              <a:t>void </a:t>
-            </a:r>
-            <a:r>
-              <a:rPr lang="en-US" altLang="zh-CN" b="1" dirty="0" smtClean="0"/>
-              <a:t>Translate</a:t>
-            </a:r>
-            <a:r>
-              <a:rPr lang="en-US" altLang="zh-CN" dirty="0" smtClean="0"/>
-              <a:t>(Vector3 </a:t>
-            </a:r>
-            <a:r>
-              <a:rPr lang="en-US" altLang="zh-CN" b="1" dirty="0"/>
-              <a:t>translation</a:t>
-            </a:r>
-            <a:r>
-              <a:rPr lang="en-US" altLang="zh-CN" dirty="0"/>
-              <a:t>, Space </a:t>
-            </a:r>
-            <a:r>
-              <a:rPr lang="en-US" altLang="zh-CN" b="1" dirty="0" err="1"/>
-              <a:t>relativeTo</a:t>
-            </a:r>
-            <a:r>
-              <a:rPr lang="en-US" altLang="zh-CN" dirty="0"/>
-              <a:t> = </a:t>
-            </a:r>
-            <a:r>
-              <a:rPr lang="en-US" altLang="zh-CN" dirty="0" err="1"/>
-              <a:t>Space.Self</a:t>
-            </a:r>
-            <a:r>
-              <a:rPr lang="en-US" altLang="zh-CN" dirty="0"/>
-              <a:t>);</a:t>
-            </a:r>
-          </a:p>
-          <a:p>
-            <a:pPr lvl="1"/>
-            <a:r>
-              <a:rPr lang="en-US" altLang="zh-CN" dirty="0"/>
-              <a:t>void </a:t>
-            </a:r>
-            <a:r>
-              <a:rPr lang="en-US" altLang="zh-CN" b="1" dirty="0" smtClean="0"/>
-              <a:t>Rotate</a:t>
-            </a:r>
-            <a:r>
-              <a:rPr lang="en-US" altLang="zh-CN" dirty="0" smtClean="0"/>
-              <a:t>(Vector3 </a:t>
-            </a:r>
-            <a:r>
-              <a:rPr lang="en-US" altLang="zh-CN" b="1" dirty="0" err="1"/>
-              <a:t>eulerAngles</a:t>
-            </a:r>
-            <a:r>
-              <a:rPr lang="en-US" altLang="zh-CN" dirty="0"/>
-              <a:t>, Space </a:t>
-            </a:r>
-            <a:r>
-              <a:rPr lang="en-US" altLang="zh-CN" b="1" dirty="0" err="1"/>
-              <a:t>relativeTo</a:t>
-            </a:r>
-            <a:r>
-              <a:rPr lang="en-US" altLang="zh-CN" dirty="0"/>
-              <a:t> = </a:t>
-            </a:r>
-            <a:r>
-              <a:rPr lang="en-US" altLang="zh-CN" dirty="0" err="1"/>
-              <a:t>Space.Self</a:t>
-            </a:r>
-            <a:r>
-              <a:rPr lang="en-US" altLang="zh-CN" dirty="0"/>
-              <a:t>);</a:t>
-            </a:r>
-          </a:p>
-          <a:p>
-            <a:pPr lvl="1"/>
-            <a:endParaRPr lang="zh-CN" altLang="en-US" dirty="0"/>
-          </a:p>
-        </p:txBody>
-      </p:sp>
-    </p:spTree>
-    <p:extLst>
-      <p:ext uri="{BB962C8B-B14F-4D97-AF65-F5344CB8AC3E}">
-        <p14:creationId xmlns:p14="http://schemas.microsoft.com/office/powerpoint/2010/main" val="2958768248"/>
-      </p:ext>
-    </p:extLst>
-  </p:cSld>
-  <p:clrMapOvr>
-    <a:masterClrMapping/>
-  </p:clrMapOvr>
-  <mc:AlternateContent xmlns:mc="http://schemas.openxmlformats.org/markup-compatibility/2006" xmlns:p14="http://schemas.microsoft.com/office/powerpoint/2010/main">
-    <mc:Choice Requires="p14">
-      <p:transition spd="med" p14:dur="700">
-        <p:fade/>
-      </p:transition>
-    </mc:Choice>
-    <mc:Fallback xmlns="">
-      <p:transition spd="med">
-        <p:fade/>
-      </p:transition>
-    </mc:Fallback>
-  </mc:AlternateContent>
-</p:sld>
-</file>
-
-<file path=ppt/slides/slide27.xml><?xml version="1.0" encoding="utf-8"?>
-<p:sld xmlns:a="http://schemas.openxmlformats.org/drawingml/2006/main" xmlns:r="http://schemas.openxmlformats.org/officeDocument/2006/relationships" xmlns:p="http://schemas.openxmlformats.org/presentationml/2006/main">
-  <p:cSld>
-    <p:spTree>
-      <p:nvGrpSpPr>
-        <p:cNvPr id="1" name=""/>
-        <p:cNvGrpSpPr/>
-        <p:nvPr/>
-      </p:nvGrpSpPr>
-      <p:grpSpPr>
-        <a:xfrm>
-          <a:off x="0" y="0"/>
-          <a:ext cx="0" cy="0"/>
-          <a:chOff x="0" y="0"/>
-          <a:chExt cx="0" cy="0"/>
-        </a:xfrm>
-      </p:grpSpPr>
-      <p:sp>
-        <p:nvSpPr>
-          <p:cNvPr id="2" name="标题 1"/>
-          <p:cNvSpPr>
-            <a:spLocks noGrp="1"/>
-          </p:cNvSpPr>
-          <p:nvPr>
-            <p:ph type="title"/>
-          </p:nvPr>
-        </p:nvSpPr>
-        <p:spPr/>
-        <p:txBody>
-          <a:bodyPr/>
-          <a:lstStyle/>
-          <a:p>
-            <a:r>
-              <a:rPr lang="en-US" altLang="zh-CN" dirty="0" smtClean="0"/>
               <a:t>Vector3</a:t>
             </a:r>
             <a:endParaRPr lang="zh-CN" altLang="en-US" dirty="0"/>
@@ -15090,7 +14760,7 @@
 </p:sld>
 </file>
 
-<file path=ppt/slides/slide28.xml><?xml version="1.0" encoding="utf-8"?>
+<file path=ppt/slides/slide27.xml><?xml version="1.0" encoding="utf-8"?>
 <p:sld xmlns:a="http://schemas.openxmlformats.org/drawingml/2006/main" xmlns:r="http://schemas.openxmlformats.org/officeDocument/2006/relationships" xmlns:p="http://schemas.openxmlformats.org/presentationml/2006/main">
   <p:cSld>
     <p:spTree>
@@ -15184,6 +14854,435 @@
 </p:sld>
 </file>
 
+<file path=ppt/slides/slide28.xml><?xml version="1.0" encoding="utf-8"?>
+<p:sld xmlns:a="http://schemas.openxmlformats.org/drawingml/2006/main" xmlns:r="http://schemas.openxmlformats.org/officeDocument/2006/relationships" xmlns:p="http://schemas.openxmlformats.org/presentationml/2006/main">
+  <p:cSld>
+    <p:spTree>
+      <p:nvGrpSpPr>
+        <p:cNvPr id="1" name=""/>
+        <p:cNvGrpSpPr/>
+        <p:nvPr/>
+      </p:nvGrpSpPr>
+      <p:grpSpPr>
+        <a:xfrm>
+          <a:off x="0" y="0"/>
+          <a:ext cx="0" cy="0"/>
+          <a:chOff x="0" y="0"/>
+          <a:chExt cx="0" cy="0"/>
+        </a:xfrm>
+      </p:grpSpPr>
+      <p:sp>
+        <p:nvSpPr>
+          <p:cNvPr id="2" name="标题 1"/>
+          <p:cNvSpPr>
+            <a:spLocks noGrp="1"/>
+          </p:cNvSpPr>
+          <p:nvPr>
+            <p:ph type="title"/>
+          </p:nvPr>
+        </p:nvSpPr>
+        <p:spPr/>
+        <p:txBody>
+          <a:bodyPr/>
+          <a:lstStyle/>
+          <a:p>
+            <a:r>
+              <a:rPr lang="en-US" altLang="zh-CN" dirty="0"/>
+              <a:t>Quaternion</a:t>
+            </a:r>
+            <a:endParaRPr lang="zh-CN" altLang="en-US" dirty="0"/>
+          </a:p>
+        </p:txBody>
+      </p:sp>
+      <p:sp>
+        <p:nvSpPr>
+          <p:cNvPr id="3" name="内容占位符 2"/>
+          <p:cNvSpPr>
+            <a:spLocks noGrp="1"/>
+          </p:cNvSpPr>
+          <p:nvPr>
+            <p:ph idx="1"/>
+          </p:nvPr>
+        </p:nvSpPr>
+        <p:spPr/>
+        <p:txBody>
+          <a:bodyPr>
+            <a:normAutofit fontScale="85000" lnSpcReduction="20000"/>
+          </a:bodyPr>
+          <a:lstStyle/>
+          <a:p>
+            <a:r>
+              <a:rPr lang="en-US" altLang="zh-CN" dirty="0"/>
+              <a:t> </a:t>
+            </a:r>
+            <a:r>
+              <a:rPr lang="en-US" altLang="zh-CN" b="1" dirty="0" smtClean="0"/>
+              <a:t>x</a:t>
+            </a:r>
+            <a:r>
+              <a:rPr lang="en-US" altLang="zh-CN" dirty="0" smtClean="0"/>
+              <a:t>, </a:t>
+            </a:r>
+            <a:r>
+              <a:rPr lang="en-US" altLang="zh-CN" b="1" dirty="0" smtClean="0"/>
+              <a:t>y</a:t>
+            </a:r>
+            <a:r>
+              <a:rPr lang="en-US" altLang="zh-CN" dirty="0" smtClean="0"/>
+              <a:t>, </a:t>
+            </a:r>
+            <a:r>
+              <a:rPr lang="en-US" altLang="zh-CN" b="1" dirty="0" smtClean="0"/>
+              <a:t>z</a:t>
+            </a:r>
+            <a:r>
+              <a:rPr lang="zh-CN" altLang="en-US" dirty="0" smtClean="0"/>
+              <a:t>分量不是</a:t>
+            </a:r>
+            <a:r>
+              <a:rPr lang="en-US" altLang="zh-CN" dirty="0" smtClean="0"/>
+              <a:t>Inspector</a:t>
+            </a:r>
+            <a:r>
+              <a:rPr lang="zh-CN" altLang="en-US" dirty="0" smtClean="0"/>
+              <a:t>中</a:t>
+            </a:r>
+            <a:r>
+              <a:rPr lang="en-US" altLang="zh-CN" dirty="0" smtClean="0"/>
+              <a:t>Rotation</a:t>
+            </a:r>
+            <a:r>
+              <a:rPr lang="zh-CN" altLang="en-US" dirty="0" smtClean="0"/>
+              <a:t>的</a:t>
+            </a:r>
+            <a:r>
+              <a:rPr lang="en-US" altLang="zh-CN" b="1" dirty="0"/>
+              <a:t>x</a:t>
+            </a:r>
+            <a:r>
+              <a:rPr lang="en-US" altLang="zh-CN" dirty="0"/>
+              <a:t>, </a:t>
+            </a:r>
+            <a:r>
+              <a:rPr lang="en-US" altLang="zh-CN" b="1" dirty="0"/>
+              <a:t>y</a:t>
+            </a:r>
+            <a:r>
+              <a:rPr lang="en-US" altLang="zh-CN" dirty="0"/>
+              <a:t>, </a:t>
+            </a:r>
+            <a:r>
+              <a:rPr lang="en-US" altLang="zh-CN" b="1" dirty="0"/>
+              <a:t>z</a:t>
+            </a:r>
+            <a:r>
+              <a:rPr lang="zh-CN" altLang="en-US" dirty="0" smtClean="0"/>
+              <a:t>分量（欧拉角）</a:t>
+            </a:r>
+            <a:r>
+              <a:rPr lang="en-US" altLang="zh-CN" dirty="0" smtClean="0"/>
+              <a:t/>
+            </a:r>
+            <a:br>
+              <a:rPr lang="en-US" altLang="zh-CN" dirty="0" smtClean="0"/>
+            </a:br>
+            <a:r>
+              <a:rPr lang="en-US" altLang="zh-CN" dirty="0"/>
+              <a:t>Don't modify this directly unless you know quaternions inside out.</a:t>
+            </a:r>
+            <a:endParaRPr lang="en-US" altLang="zh-CN" dirty="0" smtClean="0"/>
+          </a:p>
+          <a:p>
+            <a:r>
+              <a:rPr lang="zh-CN" altLang="en-US" dirty="0" smtClean="0"/>
+              <a:t>欧拉角旋转次序</a:t>
+            </a:r>
+            <a:r>
+              <a:rPr lang="en-US" altLang="zh-CN" dirty="0" smtClean="0"/>
+              <a:t>ZXY</a:t>
+            </a:r>
+          </a:p>
+          <a:p>
+            <a:r>
+              <a:rPr lang="zh-CN" altLang="en-US" dirty="0" smtClean="0"/>
+              <a:t>四元数、欧拉角互转</a:t>
+            </a:r>
+            <a:r>
+              <a:rPr lang="en-US" altLang="zh-CN" dirty="0" smtClean="0"/>
+              <a:t/>
+            </a:r>
+            <a:br>
+              <a:rPr lang="en-US" altLang="zh-CN" dirty="0" smtClean="0"/>
+            </a:br>
+            <a:r>
+              <a:rPr lang="en-US" altLang="zh-CN" dirty="0" smtClean="0"/>
+              <a:t>static </a:t>
+            </a:r>
+            <a:r>
+              <a:rPr lang="en-US" altLang="zh-CN" dirty="0"/>
+              <a:t>Quaternion </a:t>
+            </a:r>
+            <a:r>
+              <a:rPr lang="en-US" altLang="zh-CN" b="1" dirty="0"/>
+              <a:t>Euler</a:t>
+            </a:r>
+            <a:r>
+              <a:rPr lang="en-US" altLang="zh-CN" dirty="0"/>
+              <a:t>(float </a:t>
+            </a:r>
+            <a:r>
+              <a:rPr lang="en-US" altLang="zh-CN" b="1" dirty="0"/>
+              <a:t>x</a:t>
+            </a:r>
+            <a:r>
+              <a:rPr lang="en-US" altLang="zh-CN" dirty="0"/>
+              <a:t>, float </a:t>
+            </a:r>
+            <a:r>
+              <a:rPr lang="en-US" altLang="zh-CN" b="1" dirty="0"/>
+              <a:t>y</a:t>
+            </a:r>
+            <a:r>
+              <a:rPr lang="en-US" altLang="zh-CN" dirty="0"/>
+              <a:t>, float </a:t>
+            </a:r>
+            <a:r>
+              <a:rPr lang="en-US" altLang="zh-CN" b="1" dirty="0"/>
+              <a:t>z</a:t>
+            </a:r>
+            <a:r>
+              <a:rPr lang="en-US" altLang="zh-CN" dirty="0" smtClean="0"/>
+              <a:t>);</a:t>
+            </a:r>
+            <a:br>
+              <a:rPr lang="en-US" altLang="zh-CN" dirty="0" smtClean="0"/>
+            </a:br>
+            <a:r>
+              <a:rPr lang="en-US" altLang="zh-CN" dirty="0" smtClean="0"/>
+              <a:t>Vector3 </a:t>
+            </a:r>
+            <a:r>
+              <a:rPr lang="en-US" altLang="zh-CN" b="1" dirty="0" err="1"/>
+              <a:t>eulerAngles</a:t>
+            </a:r>
+            <a:r>
+              <a:rPr lang="en-US" altLang="zh-CN" dirty="0" smtClean="0"/>
+              <a:t>;</a:t>
+            </a:r>
+          </a:p>
+          <a:p>
+            <a:r>
+              <a:rPr lang="zh-CN" altLang="en-US" dirty="0" smtClean="0"/>
+              <a:t>轴角表示 </a:t>
+            </a:r>
+            <a:r>
+              <a:rPr lang="en-US" altLang="zh-CN" dirty="0" smtClean="0"/>
+              <a:t>static </a:t>
+            </a:r>
+            <a:r>
+              <a:rPr lang="en-US" altLang="zh-CN" dirty="0"/>
+              <a:t>Quaternion </a:t>
+            </a:r>
+            <a:r>
+              <a:rPr lang="en-US" altLang="zh-CN" b="1" dirty="0" err="1"/>
+              <a:t>AngleAxis</a:t>
+            </a:r>
+            <a:r>
+              <a:rPr lang="en-US" altLang="zh-CN" dirty="0"/>
+              <a:t>(float </a:t>
+            </a:r>
+            <a:r>
+              <a:rPr lang="en-US" altLang="zh-CN" b="1" dirty="0"/>
+              <a:t>angle</a:t>
+            </a:r>
+            <a:r>
+              <a:rPr lang="en-US" altLang="zh-CN" dirty="0"/>
+              <a:t>, Vector3 </a:t>
+            </a:r>
+            <a:r>
+              <a:rPr lang="en-US" altLang="zh-CN" b="1" dirty="0"/>
+              <a:t>axis</a:t>
+            </a:r>
+            <a:r>
+              <a:rPr lang="en-US" altLang="zh-CN" dirty="0"/>
+              <a:t>);</a:t>
+            </a:r>
+            <a:endParaRPr lang="en-US" altLang="zh-CN" dirty="0" smtClean="0"/>
+          </a:p>
+          <a:p>
+            <a:r>
+              <a:rPr lang="en-US" altLang="zh-CN" dirty="0"/>
+              <a:t>static Quaternion </a:t>
+            </a:r>
+            <a:r>
+              <a:rPr lang="en-US" altLang="zh-CN" b="1" dirty="0" err="1"/>
+              <a:t>FromToRotation</a:t>
+            </a:r>
+            <a:r>
+              <a:rPr lang="en-US" altLang="zh-CN" dirty="0"/>
+              <a:t>(Vector3 </a:t>
+            </a:r>
+            <a:r>
+              <a:rPr lang="en-US" altLang="zh-CN" b="1" dirty="0" err="1"/>
+              <a:t>fromDirection</a:t>
+            </a:r>
+            <a:r>
+              <a:rPr lang="en-US" altLang="zh-CN" dirty="0"/>
+              <a:t>, Vector3 </a:t>
+            </a:r>
+            <a:r>
+              <a:rPr lang="en-US" altLang="zh-CN" b="1" dirty="0" err="1"/>
+              <a:t>toDirection</a:t>
+            </a:r>
+            <a:r>
+              <a:rPr lang="en-US" altLang="zh-CN" dirty="0" smtClean="0"/>
+              <a:t>);</a:t>
+            </a:r>
+          </a:p>
+          <a:p>
+            <a:r>
+              <a:rPr lang="en-US" altLang="zh-CN" dirty="0"/>
+              <a:t>static Quaternion </a:t>
+            </a:r>
+            <a:r>
+              <a:rPr lang="en-US" altLang="zh-CN" b="1" dirty="0" err="1"/>
+              <a:t>LookRotation</a:t>
+            </a:r>
+            <a:r>
+              <a:rPr lang="en-US" altLang="zh-CN" dirty="0"/>
+              <a:t>(Vector3 </a:t>
+            </a:r>
+            <a:r>
+              <a:rPr lang="en-US" altLang="zh-CN" b="1" dirty="0"/>
+              <a:t>forward</a:t>
+            </a:r>
+            <a:r>
+              <a:rPr lang="en-US" altLang="zh-CN" dirty="0"/>
+              <a:t>, Vector3 </a:t>
+            </a:r>
+            <a:r>
+              <a:rPr lang="en-US" altLang="zh-CN" b="1" dirty="0"/>
+              <a:t>upwards</a:t>
+            </a:r>
+            <a:r>
+              <a:rPr lang="en-US" altLang="zh-CN" dirty="0"/>
+              <a:t> = Vector3.up</a:t>
+            </a:r>
+            <a:r>
+              <a:rPr lang="en-US" altLang="zh-CN" dirty="0" smtClean="0"/>
+              <a:t>);</a:t>
+            </a:r>
+          </a:p>
+          <a:p>
+            <a:r>
+              <a:rPr lang="en-US" altLang="zh-CN" dirty="0"/>
+              <a:t>static Quaternion </a:t>
+            </a:r>
+            <a:r>
+              <a:rPr lang="en-US" altLang="zh-CN" b="1" dirty="0" err="1"/>
+              <a:t>Slerp</a:t>
+            </a:r>
+            <a:r>
+              <a:rPr lang="en-US" altLang="zh-CN" dirty="0"/>
+              <a:t>(Quaternion </a:t>
+            </a:r>
+            <a:r>
+              <a:rPr lang="en-US" altLang="zh-CN" b="1" dirty="0"/>
+              <a:t>a</a:t>
+            </a:r>
+            <a:r>
+              <a:rPr lang="en-US" altLang="zh-CN" dirty="0"/>
+              <a:t>, Quaternion </a:t>
+            </a:r>
+            <a:r>
+              <a:rPr lang="en-US" altLang="zh-CN" b="1" dirty="0"/>
+              <a:t>b</a:t>
+            </a:r>
+            <a:r>
+              <a:rPr lang="en-US" altLang="zh-CN" dirty="0"/>
+              <a:t>, float </a:t>
+            </a:r>
+            <a:r>
+              <a:rPr lang="en-US" altLang="zh-CN" b="1" dirty="0"/>
+              <a:t>t</a:t>
+            </a:r>
+            <a:r>
+              <a:rPr lang="en-US" altLang="zh-CN" dirty="0" smtClean="0"/>
+              <a:t>);</a:t>
+            </a:r>
+          </a:p>
+          <a:p>
+            <a:r>
+              <a:rPr lang="en-US" altLang="zh-CN" dirty="0"/>
+              <a:t>static Quaternion </a:t>
+            </a:r>
+            <a:r>
+              <a:rPr lang="en-US" altLang="zh-CN" b="1" dirty="0" err="1"/>
+              <a:t>RotateTowards</a:t>
+            </a:r>
+            <a:r>
+              <a:rPr lang="en-US" altLang="zh-CN" dirty="0"/>
+              <a:t>(Quaternion </a:t>
+            </a:r>
+            <a:r>
+              <a:rPr lang="en-US" altLang="zh-CN" b="1" dirty="0"/>
+              <a:t>from</a:t>
+            </a:r>
+            <a:r>
+              <a:rPr lang="en-US" altLang="zh-CN" dirty="0"/>
+              <a:t>, Quaternion </a:t>
+            </a:r>
+            <a:r>
+              <a:rPr lang="en-US" altLang="zh-CN" b="1" dirty="0"/>
+              <a:t>to</a:t>
+            </a:r>
+            <a:r>
+              <a:rPr lang="en-US" altLang="zh-CN" dirty="0"/>
+              <a:t>, float </a:t>
+            </a:r>
+            <a:r>
+              <a:rPr lang="en-US" altLang="zh-CN" b="1" dirty="0" err="1"/>
+              <a:t>maxDegreesDelta</a:t>
+            </a:r>
+            <a:r>
+              <a:rPr lang="en-US" altLang="zh-CN" dirty="0"/>
+              <a:t>);</a:t>
+            </a:r>
+            <a:endParaRPr lang="en-US" altLang="zh-CN" dirty="0" smtClean="0"/>
+          </a:p>
+          <a:p>
+            <a:endParaRPr lang="en-US" altLang="zh-CN" dirty="0" smtClean="0"/>
+          </a:p>
+          <a:p>
+            <a:endParaRPr lang="zh-CN" altLang="en-US" dirty="0"/>
+          </a:p>
+        </p:txBody>
+      </p:sp>
+    </p:spTree>
+    <p:extLst>
+      <p:ext uri="{BB962C8B-B14F-4D97-AF65-F5344CB8AC3E}">
+        <p14:creationId xmlns:p14="http://schemas.microsoft.com/office/powerpoint/2010/main" val="1900883849"/>
+      </p:ext>
+    </p:extLst>
+  </p:cSld>
+  <p:clrMapOvr>
+    <a:masterClrMapping/>
+  </p:clrMapOvr>
+  <mc:AlternateContent xmlns:mc="http://schemas.openxmlformats.org/markup-compatibility/2006" xmlns:p14="http://schemas.microsoft.com/office/powerpoint/2010/main">
+    <mc:Choice Requires="p14">
+      <p:transition spd="med" p14:dur="700">
+        <p:fade/>
+      </p:transition>
+    </mc:Choice>
+    <mc:Fallback xmlns="">
+      <p:transition spd="med">
+        <p:fade/>
+      </p:transition>
+    </mc:Fallback>
+  </mc:AlternateContent>
+</p:sld>
+</file>
+
 <file path=ppt/slides/slide29.xml><?xml version="1.0" encoding="utf-8"?>
 <p:sld xmlns:a="http://schemas.openxmlformats.org/drawingml/2006/main" xmlns:r="http://schemas.openxmlformats.org/officeDocument/2006/relationships" xmlns:p="http://schemas.openxmlformats.org/presentationml/2006/main">
   <p:cSld>
@@ -15217,8 +15316,8 @@
           <a:lstStyle/>
           <a:p>
             <a:r>
-              <a:rPr lang="en-US" altLang="zh-CN" dirty="0"/>
-              <a:t>Quaternion</a:t>
+              <a:rPr lang="en-US" altLang="zh-CN" dirty="0" err="1" smtClean="0"/>
+              <a:t>RigidBody</a:t>
             </a:r>
             <a:endParaRPr lang="zh-CN" altLang="en-US" dirty="0"/>
           </a:p>
@@ -15237,7 +15336,7 @@
         <p:spPr/>
         <p:txBody>
           <a:bodyPr>
-            <a:normAutofit fontScale="85000" lnSpcReduction="20000"/>
+            <a:normAutofit fontScale="92500" lnSpcReduction="20000"/>
           </a:bodyPr>
           <a:lstStyle/>
           <a:p>
@@ -15246,352 +15345,267 @@
               <a:t> </a:t>
             </a:r>
             <a:r>
+              <a:rPr lang="zh-CN" altLang="en-US" dirty="0" smtClean="0"/>
+              <a:t>物理引擎仿真，</a:t>
+            </a:r>
+            <a:r>
+              <a:rPr lang="en-US" altLang="zh-CN" b="1" dirty="0"/>
+              <a:t> </a:t>
+            </a:r>
+            <a:r>
+              <a:rPr lang="en-US" altLang="zh-CN" b="1" dirty="0" err="1" smtClean="0"/>
+              <a:t>FixedUpdate</a:t>
+            </a:r>
+            <a:r>
+              <a:rPr lang="zh-CN" altLang="en-US" dirty="0" smtClean="0"/>
+              <a:t>更新，</a:t>
+            </a:r>
+            <a:r>
+              <a:rPr lang="en-US" altLang="zh-CN" dirty="0"/>
+              <a:t> bool </a:t>
+            </a:r>
+            <a:r>
+              <a:rPr lang="en-US" altLang="zh-CN" b="1" dirty="0" err="1" smtClean="0"/>
+              <a:t>isKinematic</a:t>
+            </a:r>
+            <a:r>
+              <a:rPr lang="en-US" altLang="zh-CN" dirty="0" smtClean="0"/>
+              <a:t>;</a:t>
+            </a:r>
+            <a:r>
+              <a:rPr lang="zh-CN" altLang="en-US" dirty="0" smtClean="0"/>
+              <a:t>开关</a:t>
+            </a:r>
+            <a:endParaRPr lang="en-US" altLang="zh-CN" dirty="0" smtClean="0"/>
+          </a:p>
+          <a:p>
+            <a:r>
+              <a:rPr lang="zh-CN" altLang="en-US" dirty="0" smtClean="0"/>
+              <a:t>重合</a:t>
+            </a:r>
+            <a:r>
+              <a:rPr lang="en-US" altLang="zh-CN" dirty="0" smtClean="0"/>
+              <a:t>Transform</a:t>
+            </a:r>
+            <a:r>
+              <a:rPr lang="zh-CN" altLang="en-US" dirty="0" smtClean="0"/>
+              <a:t>，有</a:t>
+            </a:r>
+            <a:r>
+              <a:rPr lang="en-US" altLang="zh-CN" dirty="0" err="1" smtClean="0"/>
+              <a:t>RigidBody</a:t>
+            </a:r>
+            <a:r>
+              <a:rPr lang="zh-CN" altLang="en-US" dirty="0" smtClean="0"/>
+              <a:t>就不要用</a:t>
+            </a:r>
+            <a:r>
+              <a:rPr lang="en-US" altLang="zh-CN" dirty="0"/>
+              <a:t>Transform</a:t>
+            </a:r>
+            <a:endParaRPr lang="en-US" altLang="zh-CN" dirty="0" smtClean="0"/>
+          </a:p>
+          <a:p>
+            <a:pPr lvl="1"/>
+            <a:r>
+              <a:rPr lang="zh-CN" altLang="en-US" dirty="0" smtClean="0"/>
+              <a:t>考虑物理引擎，快于</a:t>
+            </a:r>
+            <a:r>
+              <a:rPr lang="en-US" altLang="zh-CN" dirty="0" smtClean="0"/>
+              <a:t>Transform</a:t>
+            </a:r>
+            <a:br>
+              <a:rPr lang="en-US" altLang="zh-CN" dirty="0" smtClean="0"/>
+            </a:br>
+            <a:r>
+              <a:rPr lang="en-US" altLang="zh-CN" dirty="0"/>
+              <a:t>Vector3 </a:t>
+            </a:r>
+            <a:r>
+              <a:rPr lang="en-US" altLang="zh-CN" b="1" dirty="0"/>
+              <a:t>position</a:t>
+            </a:r>
+            <a:r>
+              <a:rPr lang="en-US" altLang="zh-CN" dirty="0"/>
+              <a:t>; Quaternion </a:t>
+            </a:r>
+            <a:r>
+              <a:rPr lang="en-US" altLang="zh-CN" b="1" dirty="0"/>
+              <a:t>rotation</a:t>
+            </a:r>
+            <a:r>
+              <a:rPr lang="en-US" altLang="zh-CN" dirty="0"/>
+              <a:t>;</a:t>
+            </a:r>
+          </a:p>
+          <a:p>
+            <a:pPr lvl="1"/>
+            <a:r>
+              <a:rPr lang="zh-CN" altLang="en-US" dirty="0" smtClean="0"/>
+              <a:t>考虑插值</a:t>
+            </a:r>
+            <a:r>
+              <a:rPr lang="en-US" altLang="zh-CN" dirty="0"/>
+              <a:t/>
+            </a:r>
+            <a:br>
+              <a:rPr lang="en-US" altLang="zh-CN" dirty="0"/>
+            </a:br>
+            <a:r>
+              <a:rPr lang="en-US" altLang="zh-CN" dirty="0"/>
+              <a:t>void </a:t>
+            </a:r>
+            <a:r>
+              <a:rPr lang="en-US" altLang="zh-CN" b="1" dirty="0" err="1"/>
+              <a:t>MovePosition</a:t>
+            </a:r>
+            <a:r>
+              <a:rPr lang="en-US" altLang="zh-CN" dirty="0"/>
+              <a:t>(Vector3 </a:t>
+            </a:r>
+            <a:r>
+              <a:rPr lang="en-US" altLang="zh-CN" b="1" dirty="0"/>
+              <a:t>position</a:t>
+            </a:r>
+            <a:r>
+              <a:rPr lang="en-US" altLang="zh-CN" dirty="0" smtClean="0"/>
+              <a:t>);</a:t>
+            </a:r>
+            <a:br>
+              <a:rPr lang="en-US" altLang="zh-CN" dirty="0" smtClean="0"/>
+            </a:br>
+            <a:r>
+              <a:rPr lang="en-US" altLang="zh-CN" dirty="0"/>
+              <a:t>void </a:t>
+            </a:r>
+            <a:r>
+              <a:rPr lang="en-US" altLang="zh-CN" b="1" dirty="0" err="1"/>
+              <a:t>MoveRotation</a:t>
+            </a:r>
+            <a:r>
+              <a:rPr lang="en-US" altLang="zh-CN" dirty="0"/>
+              <a:t>(Quaternion </a:t>
+            </a:r>
+            <a:r>
+              <a:rPr lang="en-US" altLang="zh-CN" b="1" dirty="0"/>
+              <a:t>rot</a:t>
+            </a:r>
+            <a:r>
+              <a:rPr lang="en-US" altLang="zh-CN" dirty="0" smtClean="0"/>
+              <a:t>);</a:t>
+            </a:r>
+          </a:p>
+          <a:p>
+            <a:r>
+              <a:rPr lang="zh-CN" altLang="en-US" dirty="0" smtClean="0"/>
+              <a:t>力</a:t>
+            </a:r>
+            <a:r>
+              <a:rPr lang="en-US" altLang="zh-CN" dirty="0" smtClean="0"/>
+              <a:t/>
+            </a:r>
+            <a:br>
+              <a:rPr lang="en-US" altLang="zh-CN" dirty="0" smtClean="0"/>
+            </a:br>
+            <a:r>
+              <a:rPr lang="en-US" altLang="zh-CN" dirty="0"/>
+              <a:t>Vector3 </a:t>
+            </a:r>
+            <a:r>
+              <a:rPr lang="en-US" altLang="zh-CN" b="1" dirty="0"/>
+              <a:t>velocity</a:t>
+            </a:r>
+            <a:r>
+              <a:rPr lang="en-US" altLang="zh-CN" dirty="0" smtClean="0"/>
+              <a:t>;</a:t>
+            </a:r>
+            <a:br>
+              <a:rPr lang="en-US" altLang="zh-CN" dirty="0" smtClean="0"/>
+            </a:br>
+            <a:r>
+              <a:rPr lang="en-US" altLang="zh-CN" dirty="0"/>
+              <a:t>float </a:t>
+            </a:r>
+            <a:r>
+              <a:rPr lang="en-US" altLang="zh-CN" b="1" dirty="0"/>
+              <a:t>drag</a:t>
+            </a:r>
+            <a:r>
+              <a:rPr lang="en-US" altLang="zh-CN" dirty="0" smtClean="0"/>
+              <a:t>;</a:t>
+            </a:r>
+            <a:br>
+              <a:rPr lang="en-US" altLang="zh-CN" dirty="0" smtClean="0"/>
+            </a:br>
+            <a:r>
+              <a:rPr lang="fr-FR" altLang="zh-CN" dirty="0"/>
+              <a:t>void </a:t>
+            </a:r>
+            <a:r>
+              <a:rPr lang="fr-FR" altLang="zh-CN" b="1" dirty="0"/>
+              <a:t>AddForce</a:t>
+            </a:r>
+            <a:r>
+              <a:rPr lang="fr-FR" altLang="zh-CN" dirty="0"/>
+              <a:t>(Vector3 </a:t>
+            </a:r>
+            <a:r>
+              <a:rPr lang="fr-FR" altLang="zh-CN" b="1" dirty="0"/>
+              <a:t>force</a:t>
+            </a:r>
+            <a:r>
+              <a:rPr lang="fr-FR" altLang="zh-CN" dirty="0"/>
+              <a:t>, ForceMode </a:t>
+            </a:r>
+            <a:r>
+              <a:rPr lang="fr-FR" altLang="zh-CN" b="1" dirty="0"/>
+              <a:t>mode</a:t>
+            </a:r>
+            <a:r>
+              <a:rPr lang="fr-FR" altLang="zh-CN" dirty="0"/>
+              <a:t> = ForceMode.Force);</a:t>
+            </a:r>
+          </a:p>
+          <a:p>
+            <a:r>
+              <a:rPr lang="zh-CN" altLang="en-US" dirty="0" smtClean="0"/>
+              <a:t>力矩有类似一组</a:t>
+            </a:r>
+            <a:r>
+              <a:rPr lang="fr-FR" altLang="zh-CN" b="1" dirty="0" smtClean="0"/>
+              <a:t>angularVelocity</a:t>
+            </a:r>
+            <a:r>
+              <a:rPr lang="fr-FR" altLang="zh-CN" dirty="0" smtClean="0"/>
+              <a:t> </a:t>
+            </a:r>
+            <a:r>
+              <a:rPr lang="en-US" altLang="zh-CN" b="1" dirty="0" err="1" smtClean="0"/>
+              <a:t>angularDrag</a:t>
+            </a:r>
+            <a:r>
               <a:rPr lang="en-US" altLang="zh-CN" b="1" dirty="0" smtClean="0"/>
-              <a:t>x</a:t>
-            </a:r>
-            <a:r>
-              <a:rPr lang="en-US" altLang="zh-CN" dirty="0" smtClean="0"/>
-              <a:t>, </a:t>
-            </a:r>
-            <a:r>
-              <a:rPr lang="en-US" altLang="zh-CN" b="1" dirty="0" smtClean="0"/>
-              <a:t>y</a:t>
-            </a:r>
-            <a:r>
-              <a:rPr lang="en-US" altLang="zh-CN" dirty="0" smtClean="0"/>
-              <a:t>, </a:t>
-            </a:r>
-            <a:r>
-              <a:rPr lang="en-US" altLang="zh-CN" b="1" dirty="0" smtClean="0"/>
-              <a:t>z</a:t>
-            </a:r>
-            <a:r>
-              <a:rPr lang="zh-CN" altLang="en-US" dirty="0" smtClean="0"/>
-              <a:t>分量不是</a:t>
-            </a:r>
-            <a:r>
-              <a:rPr lang="en-US" altLang="zh-CN" dirty="0" smtClean="0"/>
-              <a:t>Inspector</a:t>
-            </a:r>
-            <a:r>
-              <a:rPr lang="zh-CN" altLang="en-US" dirty="0" smtClean="0"/>
-              <a:t>中</a:t>
-            </a:r>
-            <a:r>
-              <a:rPr lang="en-US" altLang="zh-CN" dirty="0" smtClean="0"/>
-              <a:t>Rotation</a:t>
-            </a:r>
-            <a:r>
-              <a:rPr lang="zh-CN" altLang="en-US" dirty="0" smtClean="0"/>
-              <a:t>的</a:t>
-            </a:r>
-            <a:r>
-              <a:rPr lang="en-US" altLang="zh-CN" b="1" dirty="0"/>
-              <a:t>x</a:t>
-            </a:r>
-            <a:r>
-              <a:rPr lang="en-US" altLang="zh-CN" dirty="0"/>
-              <a:t>, </a:t>
-            </a:r>
-            <a:r>
-              <a:rPr lang="en-US" altLang="zh-CN" b="1" dirty="0"/>
-              <a:t>y</a:t>
-            </a:r>
-            <a:r>
-              <a:rPr lang="en-US" altLang="zh-CN" dirty="0"/>
-              <a:t>, </a:t>
-            </a:r>
-            <a:r>
-              <a:rPr lang="en-US" altLang="zh-CN" b="1" dirty="0"/>
-              <a:t>z</a:t>
-            </a:r>
-            <a:r>
-              <a:rPr lang="zh-CN" altLang="en-US" dirty="0" smtClean="0"/>
-              <a:t>分量（欧拉角）</a:t>
-            </a:r>
-            <a:r>
-              <a:rPr lang="en-US" altLang="zh-CN" dirty="0" smtClean="0"/>
-              <a:t/>
-            </a:r>
-            <a:br>
-              <a:rPr lang="en-US" altLang="zh-CN" dirty="0" smtClean="0"/>
-            </a:br>
-            <a:r>
-              <a:rPr lang="en-US" altLang="zh-CN" dirty="0"/>
-              <a:t>Don't modify this directly unless you know quaternions inside out.</a:t>
+              <a:t> </a:t>
+            </a:r>
+            <a:r>
+              <a:rPr lang="fr-FR" altLang="zh-CN" b="1" dirty="0" smtClean="0"/>
+              <a:t>AddTorque</a:t>
+            </a:r>
+          </a:p>
+          <a:p>
+            <a:r>
+              <a:rPr lang="zh-CN" altLang="en-US" dirty="0" smtClean="0"/>
+              <a:t>实际上并不总是需要“真实”</a:t>
             </a:r>
             <a:endParaRPr lang="en-US" altLang="zh-CN" dirty="0" smtClean="0"/>
-          </a:p>
-          <a:p>
-            <a:r>
-              <a:rPr lang="zh-CN" altLang="en-US" dirty="0" smtClean="0"/>
-              <a:t>欧拉角旋转次序</a:t>
-            </a:r>
-            <a:r>
-              <a:rPr lang="en-US" altLang="zh-CN" dirty="0" smtClean="0"/>
-              <a:t>ZXY</a:t>
-            </a:r>
-          </a:p>
-          <a:p>
-            <a:r>
-              <a:rPr lang="zh-CN" altLang="en-US" dirty="0" smtClean="0"/>
-              <a:t>四元数、欧拉角互转</a:t>
-            </a:r>
-            <a:r>
-              <a:rPr lang="en-US" altLang="zh-CN" dirty="0" smtClean="0"/>
-              <a:t/>
-            </a:r>
-            <a:br>
-              <a:rPr lang="en-US" altLang="zh-CN" dirty="0" smtClean="0"/>
-            </a:br>
-            <a:r>
-              <a:rPr lang="en-US" altLang="zh-CN" dirty="0" smtClean="0"/>
-              <a:t>static </a:t>
-            </a:r>
-            <a:r>
-              <a:rPr lang="en-US" altLang="zh-CN" dirty="0"/>
-              <a:t>Quaternion </a:t>
-            </a:r>
-            <a:r>
-              <a:rPr lang="en-US" altLang="zh-CN" b="1" dirty="0"/>
-              <a:t>Euler</a:t>
-            </a:r>
-            <a:r>
-              <a:rPr lang="en-US" altLang="zh-CN" dirty="0"/>
-              <a:t>(float </a:t>
-            </a:r>
-            <a:r>
-              <a:rPr lang="en-US" altLang="zh-CN" b="1" dirty="0"/>
-              <a:t>x</a:t>
-            </a:r>
-            <a:r>
-              <a:rPr lang="en-US" altLang="zh-CN" dirty="0"/>
-              <a:t>, float </a:t>
-            </a:r>
-            <a:r>
-              <a:rPr lang="en-US" altLang="zh-CN" b="1" dirty="0"/>
-              <a:t>y</a:t>
-            </a:r>
-            <a:r>
-              <a:rPr lang="en-US" altLang="zh-CN" dirty="0"/>
-              <a:t>, float </a:t>
-            </a:r>
-            <a:r>
-              <a:rPr lang="en-US" altLang="zh-CN" b="1" dirty="0"/>
-              <a:t>z</a:t>
-            </a:r>
-            <a:r>
-              <a:rPr lang="en-US" altLang="zh-CN" dirty="0" smtClean="0"/>
-              <a:t>);</a:t>
-            </a:r>
-            <a:br>
-              <a:rPr lang="en-US" altLang="zh-CN" dirty="0" smtClean="0"/>
-            </a:br>
-            <a:r>
-              <a:rPr lang="en-US" altLang="zh-CN" dirty="0" smtClean="0"/>
-              <a:t>Vector3 </a:t>
-            </a:r>
-            <a:r>
-              <a:rPr lang="en-US" altLang="zh-CN" b="1" dirty="0" err="1"/>
-              <a:t>eulerAngles</a:t>
-            </a:r>
-            <a:r>
-              <a:rPr lang="en-US" altLang="zh-CN" dirty="0" smtClean="0"/>
-              <a:t>;</a:t>
-            </a:r>
-          </a:p>
-          <a:p>
-            <a:r>
-              <a:rPr lang="zh-CN" altLang="en-US" dirty="0" smtClean="0"/>
-              <a:t>轴角表示 </a:t>
-            </a:r>
-            <a:r>
-              <a:rPr lang="en-US" altLang="zh-CN" dirty="0" smtClean="0"/>
-              <a:t>static </a:t>
-            </a:r>
-            <a:r>
-              <a:rPr lang="en-US" altLang="zh-CN" dirty="0"/>
-              <a:t>Quaternion </a:t>
-            </a:r>
-            <a:r>
-              <a:rPr lang="en-US" altLang="zh-CN" b="1" dirty="0" err="1"/>
-              <a:t>AngleAxis</a:t>
-            </a:r>
-            <a:r>
-              <a:rPr lang="en-US" altLang="zh-CN" dirty="0"/>
-              <a:t>(float </a:t>
-            </a:r>
-            <a:r>
-              <a:rPr lang="en-US" altLang="zh-CN" b="1" dirty="0"/>
-              <a:t>angle</a:t>
-            </a:r>
-            <a:r>
-              <a:rPr lang="en-US" altLang="zh-CN" dirty="0"/>
-              <a:t>, Vector3 </a:t>
-            </a:r>
-            <a:r>
-              <a:rPr lang="en-US" altLang="zh-CN" b="1" dirty="0"/>
-              <a:t>axis</a:t>
-            </a:r>
-            <a:r>
-              <a:rPr lang="en-US" altLang="zh-CN" dirty="0"/>
-              <a:t>);</a:t>
-            </a:r>
-            <a:endParaRPr lang="en-US" altLang="zh-CN" dirty="0" smtClean="0"/>
-          </a:p>
-          <a:p>
-            <a:r>
-              <a:rPr lang="en-US" altLang="zh-CN" dirty="0"/>
-              <a:t>static Quaternion </a:t>
-            </a:r>
-            <a:r>
-              <a:rPr lang="en-US" altLang="zh-CN" b="1" dirty="0" err="1"/>
-              <a:t>FromToRotation</a:t>
-            </a:r>
-            <a:r>
-              <a:rPr lang="en-US" altLang="zh-CN" dirty="0"/>
-              <a:t>(Vector3 </a:t>
-            </a:r>
-            <a:r>
-              <a:rPr lang="en-US" altLang="zh-CN" b="1" dirty="0" err="1"/>
-              <a:t>fromDirection</a:t>
-            </a:r>
-            <a:r>
-              <a:rPr lang="en-US" altLang="zh-CN" dirty="0"/>
-              <a:t>, Vector3 </a:t>
-            </a:r>
-            <a:r>
-              <a:rPr lang="en-US" altLang="zh-CN" b="1" dirty="0" err="1"/>
-              <a:t>toDirection</a:t>
-            </a:r>
-            <a:r>
-              <a:rPr lang="en-US" altLang="zh-CN" dirty="0" smtClean="0"/>
-              <a:t>);</a:t>
-            </a:r>
-          </a:p>
-          <a:p>
-            <a:r>
-              <a:rPr lang="en-US" altLang="zh-CN" dirty="0"/>
-              <a:t>static Quaternion </a:t>
-            </a:r>
-            <a:r>
-              <a:rPr lang="en-US" altLang="zh-CN" b="1" dirty="0" err="1"/>
-              <a:t>LookRotation</a:t>
-            </a:r>
-            <a:r>
-              <a:rPr lang="en-US" altLang="zh-CN" dirty="0"/>
-              <a:t>(Vector3 </a:t>
-            </a:r>
-            <a:r>
-              <a:rPr lang="en-US" altLang="zh-CN" b="1" dirty="0"/>
-              <a:t>forward</a:t>
-            </a:r>
-            <a:r>
-              <a:rPr lang="en-US" altLang="zh-CN" dirty="0"/>
-              <a:t>, Vector3 </a:t>
-            </a:r>
-            <a:r>
-              <a:rPr lang="en-US" altLang="zh-CN" b="1" dirty="0"/>
-              <a:t>upwards</a:t>
-            </a:r>
-            <a:r>
-              <a:rPr lang="en-US" altLang="zh-CN" dirty="0"/>
-              <a:t> = Vector3.up</a:t>
-            </a:r>
-            <a:r>
-              <a:rPr lang="en-US" altLang="zh-CN" dirty="0" smtClean="0"/>
-              <a:t>);</a:t>
-            </a:r>
-          </a:p>
-          <a:p>
-            <a:r>
-              <a:rPr lang="en-US" altLang="zh-CN" dirty="0"/>
-              <a:t>static Quaternion </a:t>
-            </a:r>
-            <a:r>
-              <a:rPr lang="en-US" altLang="zh-CN" b="1" dirty="0" err="1"/>
-              <a:t>Slerp</a:t>
-            </a:r>
-            <a:r>
-              <a:rPr lang="en-US" altLang="zh-CN" dirty="0"/>
-              <a:t>(Quaternion </a:t>
-            </a:r>
-            <a:r>
-              <a:rPr lang="en-US" altLang="zh-CN" b="1" dirty="0"/>
-              <a:t>a</a:t>
-            </a:r>
-            <a:r>
-              <a:rPr lang="en-US" altLang="zh-CN" dirty="0"/>
-              <a:t>, Quaternion </a:t>
-            </a:r>
-            <a:r>
-              <a:rPr lang="en-US" altLang="zh-CN" b="1" dirty="0"/>
-              <a:t>b</a:t>
-            </a:r>
-            <a:r>
-              <a:rPr lang="en-US" altLang="zh-CN" dirty="0"/>
-              <a:t>, float </a:t>
-            </a:r>
-            <a:r>
-              <a:rPr lang="en-US" altLang="zh-CN" b="1" dirty="0"/>
-              <a:t>t</a:t>
-            </a:r>
-            <a:r>
-              <a:rPr lang="en-US" altLang="zh-CN" dirty="0" smtClean="0"/>
-              <a:t>);</a:t>
-            </a:r>
-          </a:p>
-          <a:p>
-            <a:r>
-              <a:rPr lang="en-US" altLang="zh-CN" dirty="0"/>
-              <a:t>static Quaternion </a:t>
-            </a:r>
-            <a:r>
-              <a:rPr lang="en-US" altLang="zh-CN" b="1" dirty="0" err="1"/>
-              <a:t>RotateTowards</a:t>
-            </a:r>
-            <a:r>
-              <a:rPr lang="en-US" altLang="zh-CN" dirty="0"/>
-              <a:t>(Quaternion </a:t>
-            </a:r>
-            <a:r>
-              <a:rPr lang="en-US" altLang="zh-CN" b="1" dirty="0"/>
-              <a:t>from</a:t>
-            </a:r>
-            <a:r>
-              <a:rPr lang="en-US" altLang="zh-CN" dirty="0"/>
-              <a:t>, Quaternion </a:t>
-            </a:r>
-            <a:r>
-              <a:rPr lang="en-US" altLang="zh-CN" b="1" dirty="0"/>
-              <a:t>to</a:t>
-            </a:r>
-            <a:r>
-              <a:rPr lang="en-US" altLang="zh-CN" dirty="0"/>
-              <a:t>, float </a:t>
-            </a:r>
-            <a:r>
-              <a:rPr lang="en-US" altLang="zh-CN" b="1" dirty="0" err="1"/>
-              <a:t>maxDegreesDelta</a:t>
-            </a:r>
-            <a:r>
-              <a:rPr lang="en-US" altLang="zh-CN" dirty="0"/>
-              <a:t>);</a:t>
-            </a:r>
-            <a:endParaRPr lang="en-US" altLang="zh-CN" dirty="0" smtClean="0"/>
-          </a:p>
-          <a:p>
-            <a:endParaRPr lang="en-US" altLang="zh-CN" dirty="0" smtClean="0"/>
-          </a:p>
-          <a:p>
-            <a:endParaRPr lang="zh-CN" altLang="en-US" dirty="0"/>
           </a:p>
         </p:txBody>
       </p:sp>
     </p:spTree>
     <p:extLst>
       <p:ext uri="{BB962C8B-B14F-4D97-AF65-F5344CB8AC3E}">
-        <p14:creationId xmlns:p14="http://schemas.microsoft.com/office/powerpoint/2010/main" val="1900883849"/>
+        <p14:creationId xmlns:p14="http://schemas.microsoft.com/office/powerpoint/2010/main" val="1780060223"/>
       </p:ext>
     </p:extLst>
   </p:cSld>
@@ -15774,8 +15788,8 @@
           <a:lstStyle/>
           <a:p>
             <a:r>
-              <a:rPr lang="en-US" altLang="zh-CN" dirty="0" err="1" smtClean="0"/>
-              <a:t>RigidBody</a:t>
+              <a:rPr lang="en-US" altLang="zh-CN" dirty="0" smtClean="0"/>
+              <a:t>Collider</a:t>
             </a:r>
             <a:endParaRPr lang="zh-CN" altLang="en-US" dirty="0"/>
           </a:p>
@@ -15794,60 +15808,82 @@
         <p:spPr/>
         <p:txBody>
           <a:bodyPr>
-            <a:normAutofit fontScale="92500" lnSpcReduction="20000"/>
+            <a:normAutofit/>
           </a:bodyPr>
           <a:lstStyle/>
           <a:p>
             <a:r>
-              <a:rPr lang="en-US" altLang="zh-CN" dirty="0"/>
-              <a:t> </a:t>
-            </a:r>
-            <a:r>
-              <a:rPr lang="zh-CN" altLang="en-US" dirty="0" smtClean="0"/>
-              <a:t>物理引擎仿真，</a:t>
-            </a:r>
-            <a:r>
-              <a:rPr lang="en-US" altLang="zh-CN" b="1" dirty="0"/>
-              <a:t> </a:t>
-            </a:r>
-            <a:r>
-              <a:rPr lang="en-US" altLang="zh-CN" b="1" dirty="0" err="1" smtClean="0"/>
-              <a:t>FixedUpdate</a:t>
-            </a:r>
-            <a:r>
-              <a:rPr lang="zh-CN" altLang="en-US" dirty="0" smtClean="0"/>
-              <a:t>更新，</a:t>
-            </a:r>
-            <a:r>
-              <a:rPr lang="en-US" altLang="zh-CN" dirty="0"/>
-              <a:t> bool </a:t>
-            </a:r>
-            <a:r>
-              <a:rPr lang="en-US" altLang="zh-CN" b="1" dirty="0" err="1" smtClean="0"/>
-              <a:t>isKinematic</a:t>
-            </a:r>
-            <a:r>
-              <a:rPr lang="en-US" altLang="zh-CN" dirty="0" smtClean="0"/>
-              <a:t>;</a:t>
-            </a:r>
-            <a:r>
-              <a:rPr lang="zh-CN" altLang="en-US" dirty="0" smtClean="0"/>
-              <a:t>开关</a:t>
+              <a:rPr lang="zh-CN" altLang="en-US" dirty="0" smtClean="0"/>
+              <a:t>碰撞检测</a:t>
             </a:r>
             <a:endParaRPr lang="en-US" altLang="zh-CN" dirty="0" smtClean="0"/>
           </a:p>
           <a:p>
             <a:r>
-              <a:rPr lang="zh-CN" altLang="en-US" dirty="0" smtClean="0"/>
-              <a:t>重合</a:t>
-            </a:r>
-            <a:r>
-              <a:rPr lang="en-US" altLang="zh-CN" dirty="0" smtClean="0"/>
-              <a:t>Transform</a:t>
-            </a:r>
-            <a:r>
-              <a:rPr lang="zh-CN" altLang="en-US" dirty="0" smtClean="0"/>
-              <a:t>，有</a:t>
+              <a:rPr lang="en-US" altLang="zh-CN" dirty="0" smtClean="0"/>
+              <a:t>Trigger</a:t>
+            </a:r>
+            <a:r>
+              <a:rPr lang="zh-CN" altLang="en-US" dirty="0" smtClean="0"/>
+              <a:t>只检测碰撞但不发生碰撞（直接穿过），</a:t>
+            </a:r>
+            <a:r>
+              <a:rPr lang="en-US" altLang="zh-CN" dirty="0" smtClean="0"/>
+              <a:t>Collider</a:t>
+            </a:r>
+            <a:r>
+              <a:rPr lang="zh-CN" altLang="en-US" dirty="0" smtClean="0"/>
+              <a:t>会发生碰撞</a:t>
+            </a:r>
+            <a:endParaRPr lang="en-US" altLang="zh-CN" dirty="0" smtClean="0"/>
+          </a:p>
+          <a:p>
+            <a:r>
+              <a:rPr lang="zh-CN" altLang="en-US" dirty="0"/>
+              <a:t>没有</a:t>
+            </a:r>
+            <a:r>
+              <a:rPr lang="en-US" altLang="zh-CN" dirty="0" err="1"/>
+              <a:t>RigiBody</a:t>
+            </a:r>
+            <a:r>
+              <a:rPr lang="zh-CN" altLang="en-US" dirty="0"/>
+              <a:t>的</a:t>
+            </a:r>
+            <a:r>
+              <a:rPr lang="en-US" altLang="zh-CN" dirty="0" smtClean="0"/>
+              <a:t>Collider(Static collider)</a:t>
+            </a:r>
+            <a:r>
+              <a:rPr lang="zh-CN" altLang="en-US" dirty="0" smtClean="0"/>
+              <a:t>，</a:t>
+            </a:r>
+            <a:r>
+              <a:rPr lang="zh-CN" altLang="en-US" dirty="0"/>
+              <a:t>碰撞而不会弹开（墙，地面</a:t>
+            </a:r>
+            <a:r>
+              <a:rPr lang="zh-CN" altLang="en-US" dirty="0" smtClean="0"/>
+              <a:t>）</a:t>
+            </a:r>
+            <a:endParaRPr lang="en-US" altLang="zh-CN" dirty="0" smtClean="0"/>
+          </a:p>
+          <a:p>
+            <a:r>
+              <a:rPr lang="en-US" altLang="zh-CN" dirty="0" smtClean="0"/>
+              <a:t>Collider</a:t>
+            </a:r>
+            <a:r>
+              <a:rPr lang="zh-CN" altLang="en-US" dirty="0" smtClean="0"/>
+              <a:t>、</a:t>
+            </a:r>
+            <a:r>
+              <a:rPr lang="en-US" altLang="zh-CN" dirty="0" smtClean="0"/>
+              <a:t> Trigger</a:t>
+            </a:r>
+            <a:r>
+              <a:rPr lang="zh-CN" altLang="en-US" dirty="0" smtClean="0"/>
+              <a:t>与</a:t>
             </a:r>
             <a:r>
               <a:rPr lang="en-US" altLang="zh-CN" dirty="0" err="1" smtClean="0"/>
@@ -15855,53 +15891,60 @@
             </a:r>
             <a:r>
               <a:rPr lang="zh-CN" altLang="en-US" dirty="0" smtClean="0"/>
-              <a:t>就不要用</a:t>
-            </a:r>
-            <a:r>
-              <a:rPr lang="en-US" altLang="zh-CN" dirty="0"/>
-              <a:t>Transform</a:t>
-            </a:r>
-            <a:endParaRPr lang="en-US" altLang="zh-CN" dirty="0" smtClean="0"/>
-          </a:p>
-          <a:p>
-            <a:pPr lvl="1"/>
-            <a:r>
-              <a:rPr lang="zh-CN" altLang="en-US" dirty="0" smtClean="0"/>
-              <a:t>考虑物理引擎，快于</a:t>
-            </a:r>
-            <a:r>
-              <a:rPr lang="en-US" altLang="zh-CN" dirty="0" smtClean="0"/>
-              <a:t>Transform</a:t>
+              <a:t>有无</a:t>
+            </a:r>
+            <a:r>
+              <a:rPr lang="en-US" altLang="zh-CN" dirty="0" smtClean="0"/>
+              <a:t>(Static)</a:t>
+            </a:r>
+            <a:r>
+              <a:rPr lang="zh-CN" altLang="en-US" dirty="0" smtClean="0"/>
+              <a:t>、</a:t>
+            </a:r>
+            <a:r>
+              <a:rPr lang="en-US" altLang="zh-CN" dirty="0" smtClean="0"/>
+              <a:t>Kinematic</a:t>
+            </a:r>
+            <a:r>
+              <a:rPr lang="zh-CN" altLang="en-US" dirty="0" smtClean="0"/>
+              <a:t>与否关系参见</a:t>
+            </a:r>
+            <a:r>
+              <a:rPr lang="en-US" altLang="zh-CN" dirty="0"/>
+              <a:t>Collision action matrix</a:t>
+            </a:r>
+          </a:p>
+          <a:p>
+            <a:r>
+              <a:rPr lang="zh-CN" altLang="en-US" dirty="0" smtClean="0"/>
+              <a:t>触发事件，通过参数确定对方</a:t>
+            </a:r>
+            <a:r>
+              <a:rPr lang="en-US" altLang="zh-CN" dirty="0" smtClean="0"/>
+              <a:t/>
             </a:r>
             <a:br>
               <a:rPr lang="en-US" altLang="zh-CN" dirty="0" smtClean="0"/>
             </a:br>
             <a:r>
-              <a:rPr lang="en-US" altLang="zh-CN" dirty="0"/>
-              <a:t>Vector3 </a:t>
-            </a:r>
-            <a:r>
-              <a:rPr lang="en-US" altLang="zh-CN" b="1" dirty="0"/>
-              <a:t>position</a:t>
-            </a:r>
-            <a:r>
-              <a:rPr lang="en-US" altLang="zh-CN" dirty="0"/>
-              <a:t>; Quaternion </a:t>
-            </a:r>
-            <a:r>
-              <a:rPr lang="en-US" altLang="zh-CN" b="1" dirty="0"/>
-              <a:t>rotation</a:t>
-            </a:r>
-            <a:r>
-              <a:rPr lang="en-US" altLang="zh-CN" dirty="0"/>
-              <a:t>;</a:t>
-            </a:r>
-          </a:p>
-          <a:p>
-            <a:pPr lvl="1"/>
-            <a:r>
-              <a:rPr lang="zh-CN" altLang="en-US" dirty="0" smtClean="0"/>
-              <a:t>考虑插值</a:t>
+              <a:rPr lang="en-US" altLang="zh-CN" b="1" dirty="0" err="1"/>
+              <a:t>OnCollisionEnter</a:t>
+            </a:r>
+            <a:r>
+              <a:rPr lang="en-US" altLang="zh-CN" dirty="0"/>
+              <a:t> </a:t>
+            </a:r>
+            <a:r>
+              <a:rPr lang="en-US" altLang="zh-CN" b="1" dirty="0" err="1"/>
+              <a:t>OnCollisionStay</a:t>
+            </a:r>
+            <a:r>
+              <a:rPr lang="en-US" altLang="zh-CN" dirty="0"/>
+              <a:t> </a:t>
+            </a:r>
+            <a:r>
+              <a:rPr lang="en-US" altLang="zh-CN" b="1" dirty="0" err="1"/>
+              <a:t>OnCollisionExit</a:t>
             </a:r>
             <a:r>
               <a:rPr lang="en-US" altLang="zh-CN" dirty="0"/>
@@ -15911,159 +15954,33 @@
               <a:rPr lang="en-US" altLang="zh-CN" dirty="0"/>
             </a:br>
             <a:r>
-              <a:rPr lang="en-US" altLang="zh-CN" dirty="0"/>
-              <a:t>void </a:t>
-            </a:r>
-            <a:r>
               <a:rPr lang="en-US" altLang="zh-CN" b="1" dirty="0" err="1"/>
-              <a:t>MovePosition</a:t>
-            </a:r>
-            <a:r>
-              <a:rPr lang="en-US" altLang="zh-CN" dirty="0"/>
-              <a:t>(Vector3 </a:t>
-            </a:r>
-            <a:r>
-              <a:rPr lang="en-US" altLang="zh-CN" b="1" dirty="0"/>
-              <a:t>position</a:t>
-            </a:r>
-            <a:r>
-              <a:rPr lang="en-US" altLang="zh-CN" dirty="0" smtClean="0"/>
-              <a:t>);</a:t>
-            </a:r>
-            <a:br>
-              <a:rPr lang="en-US" altLang="zh-CN" dirty="0" smtClean="0"/>
-            </a:br>
-            <a:r>
-              <a:rPr lang="en-US" altLang="zh-CN" dirty="0"/>
-              <a:t>void </a:t>
+              <a:t>OnTriggerEnter</a:t>
+            </a:r>
+            <a:r>
+              <a:rPr lang="en-US" altLang="zh-CN" dirty="0"/>
+              <a:t> </a:t>
             </a:r>
             <a:r>
               <a:rPr lang="en-US" altLang="zh-CN" b="1" dirty="0" err="1"/>
-              <a:t>MoveRotation</a:t>
-            </a:r>
-            <a:r>
-              <a:rPr lang="en-US" altLang="zh-CN" dirty="0"/>
-              <a:t>(Quaternion </a:t>
-            </a:r>
-            <a:r>
-              <a:rPr lang="en-US" altLang="zh-CN" b="1" dirty="0"/>
-              <a:t>rot</a:t>
-            </a:r>
-            <a:r>
-              <a:rPr lang="en-US" altLang="zh-CN" dirty="0" smtClean="0"/>
-              <a:t>);</a:t>
-            </a:r>
-          </a:p>
-          <a:p>
-            <a:r>
-              <a:rPr lang="zh-CN" altLang="en-US" dirty="0" smtClean="0"/>
-              <a:t>力</a:t>
-            </a:r>
-            <a:r>
-              <a:rPr lang="en-US" altLang="zh-CN" dirty="0" smtClean="0"/>
-              <a:t/>
-            </a:r>
-            <a:br>
-              <a:rPr lang="en-US" altLang="zh-CN" dirty="0" smtClean="0"/>
-            </a:br>
-            <a:r>
-              <a:rPr lang="en-US" altLang="zh-CN" dirty="0"/>
-              <a:t>Vector3 </a:t>
-            </a:r>
-            <a:r>
-              <a:rPr lang="en-US" altLang="zh-CN" b="1" dirty="0"/>
-              <a:t>velocity</a:t>
-            </a:r>
-            <a:r>
-              <a:rPr lang="en-US" altLang="zh-CN" dirty="0" smtClean="0"/>
-              <a:t>;</a:t>
-            </a:r>
-            <a:br>
-              <a:rPr lang="en-US" altLang="zh-CN" dirty="0" smtClean="0"/>
-            </a:br>
-            <a:r>
-              <a:rPr lang="en-US" altLang="zh-CN" dirty="0"/>
-              <a:t>float </a:t>
-            </a:r>
-            <a:r>
-              <a:rPr lang="en-US" altLang="zh-CN" b="1" dirty="0"/>
-              <a:t>drag</a:t>
-            </a:r>
-            <a:r>
-              <a:rPr lang="en-US" altLang="zh-CN" dirty="0" smtClean="0"/>
-              <a:t>;</a:t>
-            </a:r>
-            <a:br>
-              <a:rPr lang="en-US" altLang="zh-CN" dirty="0" smtClean="0"/>
-            </a:br>
-            <a:r>
-              <a:rPr lang="fr-FR" altLang="zh-CN" dirty="0"/>
-              <a:t>void </a:t>
-            </a:r>
-            <a:r>
-              <a:rPr lang="fr-FR" altLang="zh-CN" b="1" dirty="0"/>
-              <a:t>AddForce</a:t>
-            </a:r>
-            <a:r>
-              <a:rPr lang="fr-FR" altLang="zh-CN" dirty="0"/>
-              <a:t>(Vector3 </a:t>
-            </a:r>
-            <a:r>
-              <a:rPr lang="fr-FR" altLang="zh-CN" b="1" dirty="0"/>
-              <a:t>force</a:t>
-            </a:r>
-            <a:r>
-              <a:rPr lang="fr-FR" altLang="zh-CN" dirty="0"/>
-              <a:t>, ForceMode </a:t>
-            </a:r>
-            <a:r>
-              <a:rPr lang="fr-FR" altLang="zh-CN" b="1" dirty="0"/>
-              <a:t>mode</a:t>
-            </a:r>
-            <a:r>
-              <a:rPr lang="fr-FR" altLang="zh-CN" dirty="0"/>
-              <a:t> = ForceMode.Force);</a:t>
-            </a:r>
-          </a:p>
-          <a:p>
-            <a:r>
-              <a:rPr lang="zh-CN" altLang="en-US" dirty="0" smtClean="0"/>
-              <a:t>力矩有类似一组</a:t>
-            </a:r>
-            <a:r>
-              <a:rPr lang="fr-FR" altLang="zh-CN" b="1" dirty="0" smtClean="0"/>
-              <a:t>angularVelocity</a:t>
-            </a:r>
-            <a:r>
-              <a:rPr lang="fr-FR" altLang="zh-CN" dirty="0" smtClean="0"/>
+              <a:t>OnTriggerStay</a:t>
+            </a:r>
+            <a:r>
+              <a:rPr lang="en-US" altLang="zh-CN" dirty="0"/>
               <a:t> </a:t>
             </a:r>
             <a:r>
               <a:rPr lang="en-US" altLang="zh-CN" b="1" dirty="0" err="1" smtClean="0"/>
-              <a:t>angularDrag</a:t>
-            </a:r>
-            <a:r>
-              <a:rPr lang="en-US" altLang="zh-CN" b="1" dirty="0" smtClean="0"/>
-              <a:t> </a:t>
-            </a:r>
-            <a:r>
-              <a:rPr lang="fr-FR" altLang="zh-CN" b="1" dirty="0" smtClean="0"/>
-              <a:t>AddTorque</a:t>
-            </a:r>
-          </a:p>
-          <a:p>
-            <a:r>
-              <a:rPr lang="zh-CN" altLang="en-US" dirty="0" smtClean="0"/>
-              <a:t>实际上并不总是需要“真实”</a:t>
-            </a:r>
-            <a:endParaRPr lang="en-US" altLang="zh-CN" dirty="0" smtClean="0"/>
+              <a:t>OnTriggerExit</a:t>
+            </a:r>
+            <a:endParaRPr lang="en-US" altLang="zh-CN" dirty="0"/>
           </a:p>
         </p:txBody>
       </p:sp>
     </p:spTree>
     <p:extLst>
       <p:ext uri="{BB962C8B-B14F-4D97-AF65-F5344CB8AC3E}">
-        <p14:creationId xmlns:p14="http://schemas.microsoft.com/office/powerpoint/2010/main" val="1780060223"/>
+        <p14:creationId xmlns:p14="http://schemas.microsoft.com/office/powerpoint/2010/main" val="2804014861"/>
       </p:ext>
     </p:extLst>
   </p:cSld>
@@ -16118,8 +16035,8 @@
           <a:lstStyle/>
           <a:p>
             <a:r>
-              <a:rPr lang="en-US" altLang="zh-CN" dirty="0" smtClean="0"/>
-              <a:t>Collider</a:t>
+              <a:rPr lang="en-US" altLang="zh-CN" dirty="0" err="1" smtClean="0"/>
+              <a:t>Coroutine</a:t>
             </a:r>
             <a:endParaRPr lang="zh-CN" altLang="en-US" dirty="0"/>
           </a:p>
@@ -16144,173 +16061,1005 @@
           <a:p>
             <a:r>
               <a:rPr lang="zh-CN" altLang="en-US" dirty="0" smtClean="0"/>
-              <a:t>碰撞检测</a:t>
+              <a:t>在</a:t>
+            </a:r>
+            <a:r>
+              <a:rPr lang="en-US" altLang="zh-CN" dirty="0" smtClean="0"/>
+              <a:t>iterator</a:t>
+            </a:r>
+            <a:r>
+              <a:rPr lang="zh-CN" altLang="en-US" dirty="0" smtClean="0"/>
+              <a:t>的每步计算间插入一些等待，模拟一连续的变化过程。</a:t>
+            </a:r>
+            <a:r>
+              <a:rPr lang="en-US" altLang="zh-CN" dirty="0" smtClean="0"/>
+              <a:t/>
+            </a:r>
+            <a:br>
+              <a:rPr lang="en-US" altLang="zh-CN" dirty="0" smtClean="0"/>
+            </a:br>
+            <a:r>
+              <a:rPr lang="zh-CN" altLang="en-US" dirty="0" smtClean="0"/>
+              <a:t>造成一种好像是多线程的假象</a:t>
             </a:r>
             <a:endParaRPr lang="en-US" altLang="zh-CN" dirty="0" smtClean="0"/>
           </a:p>
           <a:p>
             <a:r>
-              <a:rPr lang="en-US" altLang="zh-CN" dirty="0" smtClean="0"/>
-              <a:t>Trigger</a:t>
-            </a:r>
-            <a:r>
-              <a:rPr lang="zh-CN" altLang="en-US" dirty="0" smtClean="0"/>
-              <a:t>只检测碰撞但不发生碰撞（直接穿过），</a:t>
-            </a:r>
-            <a:r>
-              <a:rPr lang="en-US" altLang="zh-CN" dirty="0" smtClean="0"/>
-              <a:t>Collider</a:t>
-            </a:r>
-            <a:r>
-              <a:rPr lang="zh-CN" altLang="en-US" dirty="0" smtClean="0"/>
-              <a:t>会发生碰撞</a:t>
+              <a:rPr lang="en-US" altLang="zh-CN" dirty="0" err="1"/>
+              <a:t>IEnumerator</a:t>
+            </a:r>
+            <a:r>
+              <a:rPr lang="en-US" altLang="zh-CN" dirty="0"/>
+              <a:t> Fade() </a:t>
+            </a:r>
+            <a:r>
+              <a:rPr lang="en-US" altLang="zh-CN" dirty="0" smtClean="0"/>
+              <a:t>{</a:t>
+            </a:r>
+            <a:br>
+              <a:rPr lang="en-US" altLang="zh-CN" dirty="0" smtClean="0"/>
+            </a:br>
+            <a:r>
+              <a:rPr lang="en-US" altLang="zh-CN" dirty="0"/>
+              <a:t> </a:t>
+            </a:r>
+            <a:r>
+              <a:rPr lang="en-US" altLang="zh-CN" dirty="0" smtClean="0"/>
+              <a:t>   for </a:t>
+            </a:r>
+            <a:r>
+              <a:rPr lang="en-US" altLang="zh-CN" dirty="0"/>
+              <a:t>(float f = 1f; f &gt;= 0; f -= 0.1f) </a:t>
+            </a:r>
+            <a:r>
+              <a:rPr lang="en-US" altLang="zh-CN" dirty="0" smtClean="0"/>
+              <a:t>{</a:t>
+            </a:r>
+            <a:br>
+              <a:rPr lang="en-US" altLang="zh-CN" dirty="0" smtClean="0"/>
+            </a:br>
+            <a:r>
+              <a:rPr lang="en-US" altLang="zh-CN" dirty="0" smtClean="0"/>
+              <a:t>        </a:t>
+            </a:r>
+            <a:r>
+              <a:rPr lang="en-US" altLang="zh-CN" dirty="0" err="1" smtClean="0"/>
+              <a:t>var</a:t>
+            </a:r>
+            <a:r>
+              <a:rPr lang="en-US" altLang="zh-CN" dirty="0" smtClean="0"/>
+              <a:t> </a:t>
+            </a:r>
+            <a:r>
+              <a:rPr lang="en-US" altLang="zh-CN" dirty="0"/>
+              <a:t>c = </a:t>
+            </a:r>
+            <a:r>
+              <a:rPr lang="en-US" altLang="zh-CN" dirty="0" err="1"/>
+              <a:t>renderer.material.color</a:t>
+            </a:r>
+            <a:r>
+              <a:rPr lang="en-US" altLang="zh-CN" dirty="0" smtClean="0"/>
+              <a:t>;</a:t>
+            </a:r>
+            <a:br>
+              <a:rPr lang="en-US" altLang="zh-CN" dirty="0" smtClean="0"/>
+            </a:br>
+            <a:r>
+              <a:rPr lang="en-US" altLang="zh-CN" dirty="0" smtClean="0"/>
+              <a:t>        </a:t>
+            </a:r>
+            <a:r>
+              <a:rPr lang="en-US" altLang="zh-CN" dirty="0" err="1"/>
+              <a:t>c.a</a:t>
+            </a:r>
+            <a:r>
+              <a:rPr lang="en-US" altLang="zh-CN" dirty="0"/>
+              <a:t> = f</a:t>
+            </a:r>
+            <a:r>
+              <a:rPr lang="en-US" altLang="zh-CN" dirty="0" smtClean="0"/>
+              <a:t>;</a:t>
+            </a:r>
+            <a:br>
+              <a:rPr lang="en-US" altLang="zh-CN" dirty="0" smtClean="0"/>
+            </a:br>
+            <a:r>
+              <a:rPr lang="en-US" altLang="zh-CN" dirty="0" smtClean="0"/>
+              <a:t>        </a:t>
+            </a:r>
+            <a:r>
+              <a:rPr lang="en-US" altLang="zh-CN" dirty="0" err="1"/>
+              <a:t>renderer.material.color</a:t>
+            </a:r>
+            <a:r>
+              <a:rPr lang="en-US" altLang="zh-CN" dirty="0"/>
+              <a:t> = c</a:t>
+            </a:r>
+            <a:r>
+              <a:rPr lang="en-US" altLang="zh-CN" dirty="0" smtClean="0"/>
+              <a:t>;</a:t>
+            </a:r>
+            <a:br>
+              <a:rPr lang="en-US" altLang="zh-CN" dirty="0" smtClean="0"/>
+            </a:br>
+            <a:r>
+              <a:rPr lang="en-US" altLang="zh-CN" dirty="0" smtClean="0"/>
+              <a:t>        </a:t>
+            </a:r>
+            <a:r>
+              <a:rPr lang="en-US" altLang="zh-CN" dirty="0"/>
+              <a:t>yield return new </a:t>
+            </a:r>
+            <a:r>
+              <a:rPr lang="en-US" altLang="zh-CN" dirty="0" err="1"/>
+              <a:t>WaitForSeconds</a:t>
+            </a:r>
+            <a:r>
+              <a:rPr lang="en-US" altLang="zh-CN" dirty="0"/>
+              <a:t>(.1f</a:t>
+            </a:r>
+            <a:r>
+              <a:rPr lang="en-US" altLang="zh-CN" dirty="0" smtClean="0"/>
+              <a:t>);</a:t>
+            </a:r>
+            <a:br>
+              <a:rPr lang="en-US" altLang="zh-CN" dirty="0" smtClean="0"/>
+            </a:br>
+            <a:r>
+              <a:rPr lang="en-US" altLang="zh-CN" dirty="0" smtClean="0"/>
+              <a:t>    }</a:t>
+            </a:r>
+            <a:br>
+              <a:rPr lang="en-US" altLang="zh-CN" dirty="0" smtClean="0"/>
+            </a:br>
+            <a:r>
+              <a:rPr lang="en-US" altLang="zh-CN" dirty="0" smtClean="0"/>
+              <a:t>}</a:t>
+            </a:r>
+            <a:endParaRPr lang="en-US" altLang="zh-CN" dirty="0"/>
+          </a:p>
+          <a:p>
+            <a:r>
+              <a:rPr lang="en-US" altLang="zh-CN" b="1" dirty="0" err="1" smtClean="0"/>
+              <a:t>MonoBehaviour</a:t>
+            </a:r>
+            <a:r>
+              <a:rPr lang="en-US" altLang="zh-CN" dirty="0" err="1" smtClean="0"/>
+              <a:t>.</a:t>
+            </a:r>
+            <a:r>
+              <a:rPr lang="en-US" altLang="zh-CN" b="1" dirty="0" err="1" smtClean="0"/>
+              <a:t>StartCoroutine</a:t>
+            </a:r>
+            <a:r>
+              <a:rPr lang="en-US" altLang="zh-CN" dirty="0" smtClean="0"/>
+              <a:t>(</a:t>
+            </a:r>
+            <a:r>
+              <a:rPr lang="en-US" altLang="zh-CN" dirty="0" err="1" smtClean="0"/>
+              <a:t>IEnumerator</a:t>
+            </a:r>
+            <a:r>
+              <a:rPr lang="en-US" altLang="zh-CN" dirty="0"/>
+              <a:t> </a:t>
+            </a:r>
+            <a:r>
+              <a:rPr lang="en-US" altLang="zh-CN" b="1" dirty="0" smtClean="0"/>
+              <a:t>routine</a:t>
+            </a:r>
+            <a:r>
+              <a:rPr lang="en-US" altLang="zh-CN" dirty="0" smtClean="0"/>
+              <a:t>)</a:t>
+            </a:r>
+            <a:r>
+              <a:rPr lang="zh-CN" altLang="en-US" dirty="0" smtClean="0"/>
+              <a:t>启动</a:t>
             </a:r>
             <a:endParaRPr lang="en-US" altLang="zh-CN" dirty="0" smtClean="0"/>
           </a:p>
           <a:p>
             <a:r>
-              <a:rPr lang="zh-CN" altLang="en-US" dirty="0"/>
-              <a:t>没有</a:t>
-            </a:r>
-            <a:r>
-              <a:rPr lang="en-US" altLang="zh-CN" dirty="0" err="1"/>
-              <a:t>RigiBody</a:t>
-            </a:r>
-            <a:r>
-              <a:rPr lang="zh-CN" altLang="en-US" dirty="0"/>
-              <a:t>的</a:t>
-            </a:r>
-            <a:r>
-              <a:rPr lang="en-US" altLang="zh-CN" dirty="0" smtClean="0"/>
-              <a:t>Collider(Static collider)</a:t>
-            </a:r>
-            <a:r>
-              <a:rPr lang="zh-CN" altLang="en-US" dirty="0" smtClean="0"/>
-              <a:t>，</a:t>
-            </a:r>
-            <a:r>
-              <a:rPr lang="zh-CN" altLang="en-US" dirty="0"/>
-              <a:t>碰撞而不会弹开（墙，地面</a:t>
-            </a:r>
-            <a:r>
-              <a:rPr lang="zh-CN" altLang="en-US" dirty="0" smtClean="0"/>
-              <a:t>）</a:t>
-            </a:r>
-            <a:endParaRPr lang="en-US" altLang="zh-CN" dirty="0" smtClean="0"/>
-          </a:p>
-          <a:p>
-            <a:r>
-              <a:rPr lang="en-US" altLang="zh-CN" dirty="0" smtClean="0"/>
-              <a:t>Collider</a:t>
-            </a:r>
-            <a:r>
-              <a:rPr lang="zh-CN" altLang="en-US" dirty="0" smtClean="0"/>
-              <a:t>、</a:t>
-            </a:r>
-            <a:r>
-              <a:rPr lang="en-US" altLang="zh-CN" dirty="0" smtClean="0"/>
-              <a:t> Trigger</a:t>
-            </a:r>
-            <a:r>
-              <a:rPr lang="zh-CN" altLang="en-US" dirty="0" smtClean="0"/>
-              <a:t>与</a:t>
-            </a:r>
-            <a:r>
-              <a:rPr lang="en-US" altLang="zh-CN" dirty="0" err="1" smtClean="0"/>
-              <a:t>RigidBody</a:t>
-            </a:r>
-            <a:r>
-              <a:rPr lang="zh-CN" altLang="en-US" dirty="0" smtClean="0"/>
-              <a:t>有无</a:t>
-            </a:r>
-            <a:r>
-              <a:rPr lang="en-US" altLang="zh-CN" dirty="0" smtClean="0"/>
-              <a:t>(Static)</a:t>
-            </a:r>
-            <a:r>
-              <a:rPr lang="zh-CN" altLang="en-US" dirty="0" smtClean="0"/>
-              <a:t>、</a:t>
-            </a:r>
-            <a:r>
-              <a:rPr lang="en-US" altLang="zh-CN" dirty="0" smtClean="0"/>
-              <a:t>Kinematic</a:t>
-            </a:r>
-            <a:r>
-              <a:rPr lang="zh-CN" altLang="en-US" dirty="0" smtClean="0"/>
-              <a:t>与否关系参见</a:t>
-            </a:r>
-            <a:r>
-              <a:rPr lang="en-US" altLang="zh-CN" dirty="0"/>
-              <a:t>Collision action matrix</a:t>
-            </a:r>
-          </a:p>
-          <a:p>
-            <a:r>
-              <a:rPr lang="zh-CN" altLang="en-US" dirty="0" smtClean="0"/>
-              <a:t>触发事件，通过参数确定对方</a:t>
-            </a:r>
-            <a:r>
-              <a:rPr lang="en-US" altLang="zh-CN" dirty="0" smtClean="0"/>
-              <a:t/>
-            </a:r>
-            <a:br>
-              <a:rPr lang="en-US" altLang="zh-CN" dirty="0" smtClean="0"/>
-            </a:br>
+              <a:rPr lang="zh-CN" altLang="en-US" dirty="0" smtClean="0"/>
+              <a:t>等待 </a:t>
+            </a:r>
+            <a:r>
+              <a:rPr lang="en-US" altLang="zh-CN" b="1" dirty="0" err="1" smtClean="0"/>
+              <a:t>WaitForSeconds</a:t>
+            </a:r>
+            <a:r>
+              <a:rPr lang="en-US" altLang="zh-CN" b="1" dirty="0" smtClean="0"/>
+              <a:t> </a:t>
+            </a:r>
+            <a:r>
+              <a:rPr lang="en-US" altLang="zh-CN" b="1" dirty="0" err="1" smtClean="0"/>
+              <a:t>WaitForEndOfFrame</a:t>
+            </a:r>
+            <a:r>
+              <a:rPr lang="en-US" altLang="zh-CN" b="1" dirty="0" smtClean="0"/>
+              <a:t> </a:t>
+            </a:r>
+            <a:r>
+              <a:rPr lang="en-US" altLang="zh-CN" b="1" dirty="0" err="1" smtClean="0"/>
+              <a:t>WaitWhile</a:t>
+            </a:r>
+            <a:r>
+              <a:rPr lang="en-US" altLang="zh-CN" b="1" dirty="0" smtClean="0"/>
+              <a:t> </a:t>
+            </a:r>
             <a:r>
               <a:rPr lang="en-US" altLang="zh-CN" b="1" dirty="0" err="1"/>
-              <a:t>OnCollisionEnter</a:t>
-            </a:r>
-            <a:r>
-              <a:rPr lang="en-US" altLang="zh-CN" dirty="0"/>
-              <a:t> </a:t>
-            </a:r>
-            <a:r>
-              <a:rPr lang="en-US" altLang="zh-CN" b="1" dirty="0" err="1"/>
-              <a:t>OnCollisionStay</a:t>
-            </a:r>
-            <a:r>
-              <a:rPr lang="en-US" altLang="zh-CN" dirty="0"/>
-              <a:t> </a:t>
-            </a:r>
-            <a:r>
-              <a:rPr lang="en-US" altLang="zh-CN" b="1" dirty="0" err="1"/>
-              <a:t>OnCollisionExit</a:t>
-            </a:r>
-            <a:r>
-              <a:rPr lang="en-US" altLang="zh-CN" dirty="0"/>
-              <a:t/>
-            </a:r>
-            <a:br>
-              <a:rPr lang="en-US" altLang="zh-CN" dirty="0"/>
-            </a:br>
-            <a:r>
-              <a:rPr lang="en-US" altLang="zh-CN" b="1" dirty="0" err="1"/>
-              <a:t>OnTriggerEnter</a:t>
-            </a:r>
-            <a:r>
-              <a:rPr lang="en-US" altLang="zh-CN" dirty="0"/>
-              <a:t> </a:t>
-            </a:r>
-            <a:r>
-              <a:rPr lang="en-US" altLang="zh-CN" b="1" dirty="0" err="1"/>
-              <a:t>OnTriggerStay</a:t>
-            </a:r>
-            <a:r>
-              <a:rPr lang="en-US" altLang="zh-CN" dirty="0"/>
-              <a:t> </a:t>
-            </a:r>
-            <a:r>
-              <a:rPr lang="en-US" altLang="zh-CN" b="1" dirty="0" err="1" smtClean="0"/>
-              <a:t>OnTriggerExit</a:t>
-            </a:r>
+              <a:t>WaitUntil</a:t>
+            </a:r>
+            <a:endParaRPr lang="en-US" altLang="zh-CN" b="1" dirty="0"/>
+          </a:p>
+          <a:p>
+            <a:endParaRPr lang="en-US" altLang="zh-CN" b="1" dirty="0"/>
+          </a:p>
+          <a:p>
+            <a:endParaRPr lang="en-US" altLang="zh-CN" b="1" dirty="0"/>
+          </a:p>
+          <a:p>
+            <a:endParaRPr lang="en-US" altLang="zh-CN" b="1" dirty="0"/>
+          </a:p>
+          <a:p>
             <a:endParaRPr lang="en-US" altLang="zh-CN" dirty="0"/>
+          </a:p>
+          <a:p>
+            <a:endParaRPr lang="zh-CN" altLang="en-US" dirty="0"/>
           </a:p>
         </p:txBody>
       </p:sp>
     </p:spTree>
     <p:extLst>
       <p:ext uri="{BB962C8B-B14F-4D97-AF65-F5344CB8AC3E}">
-        <p14:creationId xmlns:p14="http://schemas.microsoft.com/office/powerpoint/2010/main" val="2804014861"/>
+        <p14:creationId xmlns:p14="http://schemas.microsoft.com/office/powerpoint/2010/main" val="2687059169"/>
+      </p:ext>
+    </p:extLst>
+  </p:cSld>
+  <p:clrMapOvr>
+    <a:masterClrMapping/>
+  </p:clrMapOvr>
+  <mc:AlternateContent xmlns:mc="http://schemas.openxmlformats.org/markup-compatibility/2006" xmlns:p14="http://schemas.microsoft.com/office/powerpoint/2010/main">
+    <mc:Choice Requires="p14">
+      <p:transition spd="med" p14:dur="700">
+        <p:fade/>
+      </p:transition>
+    </mc:Choice>
+    <mc:Fallback xmlns="">
+      <p:transition spd="med">
+        <p:fade/>
+      </p:transition>
+    </mc:Fallback>
+  </mc:AlternateContent>
+</p:sld>
+</file>
+
+<file path=ppt/slides/slide32.xml><?xml version="1.0" encoding="utf-8"?>
+<p:sld xmlns:a="http://schemas.openxmlformats.org/drawingml/2006/main" xmlns:r="http://schemas.openxmlformats.org/officeDocument/2006/relationships" xmlns:p="http://schemas.openxmlformats.org/presentationml/2006/main">
+  <p:cSld>
+    <p:spTree>
+      <p:nvGrpSpPr>
+        <p:cNvPr id="1" name=""/>
+        <p:cNvGrpSpPr/>
+        <p:nvPr/>
+      </p:nvGrpSpPr>
+      <p:grpSpPr>
+        <a:xfrm>
+          <a:off x="0" y="0"/>
+          <a:ext cx="0" cy="0"/>
+          <a:chOff x="0" y="0"/>
+          <a:chExt cx="0" cy="0"/>
+        </a:xfrm>
+      </p:grpSpPr>
+      <p:sp>
+        <p:nvSpPr>
+          <p:cNvPr id="2" name="标题 1"/>
+          <p:cNvSpPr>
+            <a:spLocks noGrp="1"/>
+          </p:cNvSpPr>
+          <p:nvPr>
+            <p:ph type="title"/>
+          </p:nvPr>
+        </p:nvSpPr>
+        <p:spPr/>
+        <p:txBody>
+          <a:bodyPr/>
+          <a:lstStyle/>
+          <a:p>
+            <a:r>
+              <a:rPr lang="en-US" altLang="zh-CN" dirty="0"/>
+              <a:t>Serialization</a:t>
+            </a:r>
+            <a:endParaRPr lang="zh-CN" altLang="en-US" dirty="0"/>
+          </a:p>
+        </p:txBody>
+      </p:sp>
+      <p:sp>
+        <p:nvSpPr>
+          <p:cNvPr id="3" name="内容占位符 2"/>
+          <p:cNvSpPr>
+            <a:spLocks noGrp="1"/>
+          </p:cNvSpPr>
+          <p:nvPr>
+            <p:ph idx="1"/>
+          </p:nvPr>
+        </p:nvSpPr>
+        <p:spPr/>
+        <p:txBody>
+          <a:bodyPr/>
+          <a:lstStyle/>
+          <a:p>
+            <a:r>
+              <a:rPr lang="en-US" altLang="zh-CN" dirty="0"/>
+              <a:t>Hot </a:t>
+            </a:r>
+            <a:r>
+              <a:rPr lang="en-US" altLang="zh-CN" dirty="0" smtClean="0"/>
+              <a:t>reloading</a:t>
+            </a:r>
+            <a:br>
+              <a:rPr lang="en-US" altLang="zh-CN" dirty="0" smtClean="0"/>
+            </a:br>
+            <a:r>
+              <a:rPr lang="zh-CN" altLang="en-US" dirty="0" smtClean="0"/>
+              <a:t>不论编辑还是运行游戏，</a:t>
+            </a:r>
+            <a:r>
+              <a:rPr lang="en-US" altLang="zh-CN" dirty="0" smtClean="0"/>
+              <a:t>Editor</a:t>
+            </a:r>
+            <a:r>
+              <a:rPr lang="zh-CN" altLang="en-US" dirty="0" smtClean="0"/>
+              <a:t>总是立即编译生效代码修改，会有一些些卡顿</a:t>
+            </a:r>
+            <a:endParaRPr lang="en-US" altLang="zh-CN" dirty="0" smtClean="0"/>
+          </a:p>
+          <a:p>
+            <a:r>
+              <a:rPr lang="en-US" altLang="zh-CN" dirty="0" smtClean="0"/>
+              <a:t>Inspector</a:t>
+            </a:r>
+            <a:r>
+              <a:rPr lang="zh-CN" altLang="en-US" dirty="0" smtClean="0"/>
+              <a:t>显示保存序列化的字段，不会因为代码初值设定而改变。</a:t>
+            </a:r>
+            <a:endParaRPr lang="en-US" altLang="zh-CN" dirty="0" smtClean="0"/>
+          </a:p>
+          <a:p>
+            <a:r>
+              <a:rPr lang="en-US" altLang="zh-CN" b="1" dirty="0" smtClean="0"/>
+              <a:t>Serializable</a:t>
+            </a:r>
+            <a:r>
+              <a:rPr lang="zh-CN" altLang="en-US" dirty="0" smtClean="0"/>
+              <a:t>特性使得手写的类和结构也会被序列化，显示保存在</a:t>
+            </a:r>
+            <a:r>
+              <a:rPr lang="en-US" altLang="zh-CN" dirty="0" smtClean="0"/>
+              <a:t>Inspector</a:t>
+            </a:r>
+            <a:r>
+              <a:rPr lang="zh-CN" altLang="en-US" dirty="0" smtClean="0"/>
+              <a:t>中</a:t>
+            </a:r>
+            <a:endParaRPr lang="en-US" altLang="zh-CN" dirty="0" smtClean="0"/>
+          </a:p>
+          <a:p>
+            <a:r>
+              <a:rPr lang="zh-CN" altLang="en-US" dirty="0" smtClean="0"/>
+              <a:t>先构造再反序列化，构造时很多东西没有准备好，会出错。所以不要用构造函数之类。</a:t>
+            </a:r>
+            <a:endParaRPr lang="en-US" altLang="zh-CN" dirty="0"/>
+          </a:p>
+        </p:txBody>
+      </p:sp>
+    </p:spTree>
+    <p:extLst>
+      <p:ext uri="{BB962C8B-B14F-4D97-AF65-F5344CB8AC3E}">
+        <p14:creationId xmlns:p14="http://schemas.microsoft.com/office/powerpoint/2010/main" val="3685504554"/>
+      </p:ext>
+    </p:extLst>
+  </p:cSld>
+  <p:clrMapOvr>
+    <a:masterClrMapping/>
+  </p:clrMapOvr>
+  <mc:AlternateContent xmlns:mc="http://schemas.openxmlformats.org/markup-compatibility/2006" xmlns:p14="http://schemas.microsoft.com/office/powerpoint/2010/main">
+    <mc:Choice Requires="p14">
+      <p:transition spd="med" p14:dur="700">
+        <p:fade/>
+      </p:transition>
+    </mc:Choice>
+    <mc:Fallback xmlns="">
+      <p:transition spd="med">
+        <p:fade/>
+      </p:transition>
+    </mc:Fallback>
+  </mc:AlternateContent>
+</p:sld>
+</file>
+
+<file path=ppt/slides/slide33.xml><?xml version="1.0" encoding="utf-8"?>
+<p:sld xmlns:a="http://schemas.openxmlformats.org/drawingml/2006/main" xmlns:r="http://schemas.openxmlformats.org/officeDocument/2006/relationships" xmlns:p="http://schemas.openxmlformats.org/presentationml/2006/main">
+  <p:cSld>
+    <p:spTree>
+      <p:nvGrpSpPr>
+        <p:cNvPr id="1" name=""/>
+        <p:cNvGrpSpPr/>
+        <p:nvPr/>
+      </p:nvGrpSpPr>
+      <p:grpSpPr>
+        <a:xfrm>
+          <a:off x="0" y="0"/>
+          <a:ext cx="0" cy="0"/>
+          <a:chOff x="0" y="0"/>
+          <a:chExt cx="0" cy="0"/>
+        </a:xfrm>
+      </p:grpSpPr>
+      <p:sp>
+        <p:nvSpPr>
+          <p:cNvPr id="2" name="标题 1"/>
+          <p:cNvSpPr>
+            <a:spLocks noGrp="1"/>
+          </p:cNvSpPr>
+          <p:nvPr>
+            <p:ph type="ctrTitle"/>
+          </p:nvPr>
+        </p:nvSpPr>
+        <p:spPr/>
+        <p:txBody>
+          <a:bodyPr/>
+          <a:lstStyle/>
+          <a:p>
+            <a:r>
+              <a:rPr lang="zh-CN" altLang="en-US" dirty="0" smtClean="0"/>
+              <a:t>进阶</a:t>
+            </a:r>
+            <a:endParaRPr lang="zh-CN" dirty="0"/>
+          </a:p>
+        </p:txBody>
+      </p:sp>
+      <p:sp>
+        <p:nvSpPr>
+          <p:cNvPr id="3" name="副标题 2"/>
+          <p:cNvSpPr>
+            <a:spLocks noGrp="1"/>
+          </p:cNvSpPr>
+          <p:nvPr>
+            <p:ph type="subTitle" idx="1"/>
+          </p:nvPr>
+        </p:nvSpPr>
+        <p:spPr/>
+        <p:txBody>
+          <a:bodyPr>
+            <a:normAutofit/>
+          </a:bodyPr>
+          <a:lstStyle/>
+          <a:p>
+            <a:pPr lvl="0"/>
+            <a:r>
+              <a:rPr lang="en-US" altLang="zh-CN" dirty="0" smtClean="0"/>
+              <a:t>Managed DLL</a:t>
+            </a:r>
+          </a:p>
+          <a:p>
+            <a:pPr lvl="0"/>
+            <a:r>
+              <a:rPr lang="en-US" altLang="zh-CN" dirty="0" err="1" smtClean="0"/>
+              <a:t>AssetBundle</a:t>
+            </a:r>
+            <a:endParaRPr lang="en-US" altLang="zh-CN" dirty="0" smtClean="0"/>
+          </a:p>
+          <a:p>
+            <a:r>
+              <a:rPr lang="zh-CN" altLang="en-US" dirty="0"/>
+              <a:t>通信</a:t>
+            </a:r>
+            <a:endParaRPr lang="en-US" altLang="zh-CN" dirty="0"/>
+          </a:p>
+          <a:p>
+            <a:pPr lvl="0"/>
+            <a:endParaRPr lang="zh-CN" altLang="zh-CN" dirty="0"/>
+          </a:p>
+        </p:txBody>
+      </p:sp>
+    </p:spTree>
+    <p:extLst>
+      <p:ext uri="{BB962C8B-B14F-4D97-AF65-F5344CB8AC3E}">
+        <p14:creationId xmlns:p14="http://schemas.microsoft.com/office/powerpoint/2010/main" val="2213326803"/>
+      </p:ext>
+    </p:extLst>
+  </p:cSld>
+  <p:clrMapOvr>
+    <a:masterClrMapping/>
+  </p:clrMapOvr>
+  <mc:AlternateContent xmlns:mc="http://schemas.openxmlformats.org/markup-compatibility/2006" xmlns:p14="http://schemas.microsoft.com/office/powerpoint/2010/main">
+    <mc:Choice Requires="p14">
+      <p:transition spd="med" p14:dur="700">
+        <p:fade/>
+      </p:transition>
+    </mc:Choice>
+    <mc:Fallback xmlns="">
+      <p:transition spd="med">
+        <p:fade/>
+      </p:transition>
+    </mc:Fallback>
+  </mc:AlternateContent>
+  <p:timing>
+    <p:tnLst>
+      <p:par>
+        <p:cTn id="1" dur="indefinite" restart="never" nodeType="tmRoot"/>
+      </p:par>
+    </p:tnLst>
+  </p:timing>
+</p:sld>
+</file>
+
+<file path=ppt/slides/slide34.xml><?xml version="1.0" encoding="utf-8"?>
+<p:sld xmlns:a="http://schemas.openxmlformats.org/drawingml/2006/main" xmlns:r="http://schemas.openxmlformats.org/officeDocument/2006/relationships" xmlns:p="http://schemas.openxmlformats.org/presentationml/2006/main">
+  <p:cSld>
+    <p:spTree>
+      <p:nvGrpSpPr>
+        <p:cNvPr id="1" name=""/>
+        <p:cNvGrpSpPr/>
+        <p:nvPr/>
+      </p:nvGrpSpPr>
+      <p:grpSpPr>
+        <a:xfrm>
+          <a:off x="0" y="0"/>
+          <a:ext cx="0" cy="0"/>
+          <a:chOff x="0" y="0"/>
+          <a:chExt cx="0" cy="0"/>
+        </a:xfrm>
+      </p:grpSpPr>
+      <p:sp>
+        <p:nvSpPr>
+          <p:cNvPr id="2" name="标题 1"/>
+          <p:cNvSpPr>
+            <a:spLocks noGrp="1"/>
+          </p:cNvSpPr>
+          <p:nvPr>
+            <p:ph type="title"/>
+          </p:nvPr>
+        </p:nvSpPr>
+        <p:spPr/>
+        <p:txBody>
+          <a:bodyPr/>
+          <a:lstStyle/>
+          <a:p>
+            <a:r>
+              <a:rPr lang="en-US" altLang="zh-CN" dirty="0" smtClean="0"/>
+              <a:t>Managed DLL</a:t>
+            </a:r>
+            <a:endParaRPr lang="zh-CN" altLang="en-US" dirty="0"/>
+          </a:p>
+        </p:txBody>
+      </p:sp>
+      <p:sp>
+        <p:nvSpPr>
+          <p:cNvPr id="3" name="内容占位符 2"/>
+          <p:cNvSpPr>
+            <a:spLocks noGrp="1"/>
+          </p:cNvSpPr>
+          <p:nvPr>
+            <p:ph idx="1"/>
+          </p:nvPr>
+        </p:nvSpPr>
+        <p:spPr/>
+        <p:txBody>
+          <a:bodyPr/>
+          <a:lstStyle/>
+          <a:p>
+            <a:r>
+              <a:rPr lang="zh-CN" altLang="en-US" dirty="0" smtClean="0"/>
+              <a:t>把代码从总的</a:t>
+            </a:r>
+            <a:r>
+              <a:rPr lang="en-US" altLang="zh-CN" dirty="0" smtClean="0"/>
+              <a:t>EXE</a:t>
+            </a:r>
+            <a:r>
+              <a:rPr lang="zh-CN" altLang="en-US" dirty="0" smtClean="0"/>
+              <a:t>中分离，实现重用和更新</a:t>
+            </a:r>
+            <a:endParaRPr lang="en-US" altLang="zh-CN" dirty="0" smtClean="0"/>
+          </a:p>
+          <a:p>
+            <a:r>
+              <a:rPr lang="zh-CN" altLang="en-US" dirty="0" smtClean="0"/>
+              <a:t>新建</a:t>
+            </a:r>
+            <a:r>
+              <a:rPr lang="en-US" altLang="zh-CN" dirty="0" smtClean="0"/>
+              <a:t>C#</a:t>
+            </a:r>
+            <a:r>
+              <a:rPr lang="zh-CN" altLang="en-US" dirty="0" smtClean="0"/>
+              <a:t>类库</a:t>
+            </a:r>
+            <a:endParaRPr lang="en-US" altLang="zh-CN" dirty="0" smtClean="0"/>
+          </a:p>
+          <a:p>
+            <a:r>
+              <a:rPr lang="zh-CN" altLang="en-US" dirty="0" smtClean="0"/>
+              <a:t>调整编译目标</a:t>
+            </a:r>
+            <a:endParaRPr lang="en-US" altLang="zh-CN" dirty="0" smtClean="0"/>
+          </a:p>
+          <a:p>
+            <a:r>
+              <a:rPr lang="zh-CN" altLang="en-US" dirty="0" smtClean="0"/>
+              <a:t>添加</a:t>
+            </a:r>
+            <a:r>
+              <a:rPr lang="en-US" altLang="zh-CN" dirty="0" smtClean="0"/>
+              <a:t>Unity</a:t>
+            </a:r>
+            <a:r>
+              <a:rPr lang="zh-CN" altLang="en-US" dirty="0" smtClean="0"/>
+              <a:t>库引用</a:t>
+            </a:r>
+            <a:endParaRPr lang="en-US" altLang="zh-CN" dirty="0" smtClean="0"/>
+          </a:p>
+          <a:p>
+            <a:r>
+              <a:rPr lang="zh-CN" altLang="en-US" dirty="0" smtClean="0"/>
+              <a:t>生成</a:t>
+            </a:r>
+            <a:r>
+              <a:rPr lang="en-US" altLang="zh-CN" dirty="0" smtClean="0"/>
+              <a:t>DLL</a:t>
+            </a:r>
+            <a:r>
+              <a:rPr lang="zh-CN" altLang="en-US" dirty="0" smtClean="0"/>
+              <a:t>，拷贝到</a:t>
+            </a:r>
+            <a:r>
+              <a:rPr lang="en-US" altLang="zh-CN" dirty="0" smtClean="0"/>
+              <a:t>Assets</a:t>
+            </a:r>
+          </a:p>
+        </p:txBody>
+      </p:sp>
+    </p:spTree>
+    <p:extLst>
+      <p:ext uri="{BB962C8B-B14F-4D97-AF65-F5344CB8AC3E}">
+        <p14:creationId xmlns:p14="http://schemas.microsoft.com/office/powerpoint/2010/main" val="990113626"/>
+      </p:ext>
+    </p:extLst>
+  </p:cSld>
+  <p:clrMapOvr>
+    <a:masterClrMapping/>
+  </p:clrMapOvr>
+  <mc:AlternateContent xmlns:mc="http://schemas.openxmlformats.org/markup-compatibility/2006" xmlns:p14="http://schemas.microsoft.com/office/powerpoint/2010/main">
+    <mc:Choice Requires="p14">
+      <p:transition spd="med" p14:dur="700">
+        <p:fade/>
+      </p:transition>
+    </mc:Choice>
+    <mc:Fallback xmlns="">
+      <p:transition spd="med">
+        <p:fade/>
+      </p:transition>
+    </mc:Fallback>
+  </mc:AlternateContent>
+</p:sld>
+</file>
+
+<file path=ppt/slides/slide35.xml><?xml version="1.0" encoding="utf-8"?>
+<p:sld xmlns:a="http://schemas.openxmlformats.org/drawingml/2006/main" xmlns:r="http://schemas.openxmlformats.org/officeDocument/2006/relationships" xmlns:p="http://schemas.openxmlformats.org/presentationml/2006/main">
+  <p:cSld>
+    <p:spTree>
+      <p:nvGrpSpPr>
+        <p:cNvPr id="1" name=""/>
+        <p:cNvGrpSpPr/>
+        <p:nvPr/>
+      </p:nvGrpSpPr>
+      <p:grpSpPr>
+        <a:xfrm>
+          <a:off x="0" y="0"/>
+          <a:ext cx="0" cy="0"/>
+          <a:chOff x="0" y="0"/>
+          <a:chExt cx="0" cy="0"/>
+        </a:xfrm>
+      </p:grpSpPr>
+      <p:sp>
+        <p:nvSpPr>
+          <p:cNvPr id="2" name="标题 1"/>
+          <p:cNvSpPr>
+            <a:spLocks noGrp="1"/>
+          </p:cNvSpPr>
+          <p:nvPr>
+            <p:ph type="title"/>
+          </p:nvPr>
+        </p:nvSpPr>
+        <p:spPr/>
+        <p:txBody>
+          <a:bodyPr/>
+          <a:lstStyle/>
+          <a:p>
+            <a:r>
+              <a:rPr lang="en-US" altLang="zh-CN" dirty="0" err="1" smtClean="0"/>
+              <a:t>AssetBundle</a:t>
+            </a:r>
+            <a:endParaRPr lang="zh-CN" altLang="en-US" dirty="0"/>
+          </a:p>
+        </p:txBody>
+      </p:sp>
+      <p:sp>
+        <p:nvSpPr>
+          <p:cNvPr id="3" name="内容占位符 2"/>
+          <p:cNvSpPr>
+            <a:spLocks noGrp="1"/>
+          </p:cNvSpPr>
+          <p:nvPr>
+            <p:ph idx="1"/>
+          </p:nvPr>
+        </p:nvSpPr>
+        <p:spPr/>
+        <p:txBody>
+          <a:bodyPr/>
+          <a:lstStyle/>
+          <a:p>
+            <a:r>
+              <a:rPr lang="zh-CN" altLang="en-US" dirty="0" smtClean="0"/>
+              <a:t>分离</a:t>
+            </a:r>
+            <a:r>
+              <a:rPr lang="en-US" altLang="zh-CN" dirty="0" smtClean="0"/>
+              <a:t>Assets</a:t>
+            </a:r>
+            <a:r>
+              <a:rPr lang="zh-CN" altLang="en-US" dirty="0" smtClean="0"/>
+              <a:t>，实现热更新</a:t>
+            </a:r>
+            <a:endParaRPr lang="en-US" altLang="zh-CN" dirty="0" smtClean="0"/>
+          </a:p>
+          <a:p>
+            <a:r>
+              <a:rPr lang="zh-CN" altLang="en-US" dirty="0" smtClean="0"/>
+              <a:t>添加资源到</a:t>
+            </a:r>
+            <a:r>
+              <a:rPr lang="en-US" altLang="zh-CN" dirty="0" err="1" smtClean="0"/>
+              <a:t>AssetBundle</a:t>
+            </a:r>
+            <a:endParaRPr lang="en-US" altLang="zh-CN" dirty="0" smtClean="0"/>
+          </a:p>
+          <a:p>
+            <a:r>
+              <a:rPr lang="zh-CN" altLang="en-US" dirty="0" smtClean="0"/>
+              <a:t>向</a:t>
+            </a:r>
+            <a:r>
+              <a:rPr lang="en-US" altLang="zh-CN" dirty="0" smtClean="0"/>
+              <a:t>Editor</a:t>
+            </a:r>
+            <a:r>
+              <a:rPr lang="zh-CN" altLang="en-US" dirty="0" smtClean="0"/>
+              <a:t>中添加</a:t>
+            </a:r>
+            <a:r>
+              <a:rPr lang="en-US" altLang="zh-CN" dirty="0" err="1" smtClean="0"/>
+              <a:t>CreateAssetBundles</a:t>
+            </a:r>
+            <a:endParaRPr lang="en-US" altLang="zh-CN" dirty="0" smtClean="0"/>
+          </a:p>
+          <a:p>
+            <a:r>
+              <a:rPr lang="en-US" altLang="zh-CN" dirty="0" err="1" smtClean="0"/>
+              <a:t>AssetBundle.LoadFromFile</a:t>
+            </a:r>
+            <a:endParaRPr lang="en-US" altLang="zh-CN" dirty="0" smtClean="0"/>
+          </a:p>
+          <a:p>
+            <a:endParaRPr lang="zh-CN" altLang="en-US" dirty="0"/>
+          </a:p>
+        </p:txBody>
+      </p:sp>
+    </p:spTree>
+    <p:extLst>
+      <p:ext uri="{BB962C8B-B14F-4D97-AF65-F5344CB8AC3E}">
+        <p14:creationId xmlns:p14="http://schemas.microsoft.com/office/powerpoint/2010/main" val="461727355"/>
+      </p:ext>
+    </p:extLst>
+  </p:cSld>
+  <p:clrMapOvr>
+    <a:masterClrMapping/>
+  </p:clrMapOvr>
+  <mc:AlternateContent xmlns:mc="http://schemas.openxmlformats.org/markup-compatibility/2006" xmlns:p14="http://schemas.microsoft.com/office/powerpoint/2010/main">
+    <mc:Choice Requires="p14">
+      <p:transition spd="med" p14:dur="700">
+        <p:fade/>
+      </p:transition>
+    </mc:Choice>
+    <mc:Fallback xmlns="">
+      <p:transition spd="med">
+        <p:fade/>
+      </p:transition>
+    </mc:Fallback>
+  </mc:AlternateContent>
+</p:sld>
+</file>
+
+<file path=ppt/slides/slide36.xml><?xml version="1.0" encoding="utf-8"?>
+<p:sld xmlns:a="http://schemas.openxmlformats.org/drawingml/2006/main" xmlns:r="http://schemas.openxmlformats.org/officeDocument/2006/relationships" xmlns:p="http://schemas.openxmlformats.org/presentationml/2006/main">
+  <p:cSld>
+    <p:spTree>
+      <p:nvGrpSpPr>
+        <p:cNvPr id="1" name=""/>
+        <p:cNvGrpSpPr/>
+        <p:nvPr/>
+      </p:nvGrpSpPr>
+      <p:grpSpPr>
+        <a:xfrm>
+          <a:off x="0" y="0"/>
+          <a:ext cx="0" cy="0"/>
+          <a:chOff x="0" y="0"/>
+          <a:chExt cx="0" cy="0"/>
+        </a:xfrm>
+      </p:grpSpPr>
+      <p:sp>
+        <p:nvSpPr>
+          <p:cNvPr id="2" name="标题 1"/>
+          <p:cNvSpPr>
+            <a:spLocks noGrp="1"/>
+          </p:cNvSpPr>
+          <p:nvPr>
+            <p:ph type="title"/>
+          </p:nvPr>
+        </p:nvSpPr>
+        <p:spPr/>
+        <p:txBody>
+          <a:bodyPr/>
+          <a:lstStyle/>
+          <a:p>
+            <a:r>
+              <a:rPr lang="zh-CN" altLang="en-US" dirty="0"/>
+              <a:t>通信</a:t>
+            </a:r>
+          </a:p>
+        </p:txBody>
+      </p:sp>
+      <p:sp>
+        <p:nvSpPr>
+          <p:cNvPr id="3" name="内容占位符 2"/>
+          <p:cNvSpPr>
+            <a:spLocks noGrp="1"/>
+          </p:cNvSpPr>
+          <p:nvPr>
+            <p:ph idx="1"/>
+          </p:nvPr>
+        </p:nvSpPr>
+        <p:spPr/>
+        <p:txBody>
+          <a:bodyPr/>
+          <a:lstStyle/>
+          <a:p>
+            <a:r>
+              <a:rPr lang="en-US" altLang="zh-CN" dirty="0" smtClean="0"/>
+              <a:t>socket</a:t>
+            </a:r>
+            <a:r>
+              <a:rPr lang="zh-CN" altLang="en-US" dirty="0" smtClean="0"/>
+              <a:t>编程</a:t>
+            </a:r>
+            <a:endParaRPr lang="en-US" altLang="zh-CN" dirty="0" smtClean="0"/>
+          </a:p>
+          <a:p>
+            <a:r>
+              <a:rPr lang="en-US" altLang="zh-CN" dirty="0" err="1" smtClean="0"/>
+              <a:t>IPAddress</a:t>
+            </a:r>
+            <a:r>
+              <a:rPr lang="zh-CN" altLang="en-US" dirty="0" smtClean="0"/>
+              <a:t>、</a:t>
+            </a:r>
+            <a:r>
+              <a:rPr lang="en-US" altLang="zh-CN" dirty="0" err="1" smtClean="0"/>
+              <a:t>IPEndPoint</a:t>
+            </a:r>
+            <a:r>
+              <a:rPr lang="zh-CN" altLang="en-US" dirty="0" smtClean="0"/>
+              <a:t>地址</a:t>
+            </a:r>
+            <a:r>
+              <a:rPr lang="en-US" altLang="zh-CN" dirty="0" smtClean="0"/>
+              <a:t>+</a:t>
+            </a:r>
+            <a:r>
+              <a:rPr lang="zh-CN" altLang="en-US" dirty="0" smtClean="0"/>
+              <a:t>端口</a:t>
+            </a:r>
+            <a:endParaRPr lang="en-US" altLang="zh-CN" dirty="0" smtClean="0"/>
+          </a:p>
+          <a:p>
+            <a:r>
+              <a:rPr lang="en-US" altLang="zh-CN" dirty="0" smtClean="0"/>
+              <a:t>Connect</a:t>
+            </a:r>
+            <a:r>
+              <a:rPr lang="zh-CN" altLang="en-US" dirty="0" smtClean="0"/>
+              <a:t>、</a:t>
+            </a:r>
+            <a:r>
+              <a:rPr lang="en-US" altLang="zh-CN" dirty="0" smtClean="0"/>
+              <a:t>Close</a:t>
+            </a:r>
+          </a:p>
+          <a:p>
+            <a:r>
+              <a:rPr lang="zh-CN" altLang="en-US" dirty="0" smtClean="0"/>
+              <a:t>同步读写</a:t>
+            </a:r>
+            <a:r>
+              <a:rPr lang="en-US" altLang="zh-CN" dirty="0" smtClean="0"/>
+              <a:t>Receive</a:t>
+            </a:r>
+            <a:r>
+              <a:rPr lang="zh-CN" altLang="en-US" dirty="0" smtClean="0"/>
+              <a:t>、</a:t>
+            </a:r>
+            <a:r>
+              <a:rPr lang="en-US" altLang="zh-CN" dirty="0" smtClean="0"/>
+              <a:t>Send</a:t>
+            </a:r>
+          </a:p>
+          <a:p>
+            <a:r>
+              <a:rPr lang="zh-CN" altLang="en-US" dirty="0" smtClean="0"/>
+              <a:t>异步读写</a:t>
+            </a:r>
+            <a:endParaRPr lang="en-US" altLang="zh-CN" dirty="0" smtClean="0"/>
+          </a:p>
+          <a:p>
+            <a:pPr lvl="1"/>
+            <a:r>
+              <a:rPr lang="en-US" altLang="zh-CN" dirty="0" smtClean="0"/>
+              <a:t>Asynchronous programming</a:t>
+            </a:r>
+            <a:br>
+              <a:rPr lang="en-US" altLang="zh-CN" dirty="0" smtClean="0"/>
+            </a:br>
+            <a:r>
+              <a:rPr lang="en-US" altLang="zh-CN" dirty="0" smtClean="0"/>
+              <a:t>Begin… End…</a:t>
+            </a:r>
+          </a:p>
+          <a:p>
+            <a:pPr lvl="1"/>
+            <a:r>
+              <a:rPr lang="en-US" altLang="zh-CN" dirty="0" err="1"/>
+              <a:t>Mutlithreading</a:t>
+            </a:r>
+            <a:endParaRPr lang="en-US" altLang="zh-CN" dirty="0" smtClean="0"/>
+          </a:p>
+          <a:p>
+            <a:r>
+              <a:rPr lang="en-US" altLang="zh-CN" dirty="0" smtClean="0"/>
+              <a:t>Marshal</a:t>
+            </a:r>
+            <a:r>
+              <a:rPr lang="zh-CN" altLang="en-US" dirty="0" smtClean="0"/>
+              <a:t>转换托管</a:t>
+            </a:r>
+            <a:r>
+              <a:rPr lang="en-US" altLang="zh-CN" dirty="0" smtClean="0"/>
+              <a:t>/</a:t>
+            </a:r>
+            <a:r>
+              <a:rPr lang="zh-CN" altLang="en-US" dirty="0" smtClean="0"/>
+              <a:t>非托管类型</a:t>
+            </a:r>
+            <a:endParaRPr lang="en-US" altLang="zh-CN" dirty="0"/>
+          </a:p>
+        </p:txBody>
+      </p:sp>
+    </p:spTree>
+    <p:extLst>
+      <p:ext uri="{BB962C8B-B14F-4D97-AF65-F5344CB8AC3E}">
+        <p14:creationId xmlns:p14="http://schemas.microsoft.com/office/powerpoint/2010/main" val="104058804"/>
       </p:ext>
     </p:extLst>
   </p:cSld>
@@ -17270,11 +18019,7 @@
           <a:p>
             <a:r>
               <a:rPr lang="zh-CN" altLang="en-US" dirty="0" smtClean="0"/>
-              <a:t>内置</a:t>
-            </a:r>
-            <a:r>
-              <a:rPr lang="zh-CN" altLang="en-US" dirty="0" smtClean="0"/>
-              <a:t>类型也是类型</a:t>
+              <a:t>内置类型也是类型</a:t>
             </a:r>
             <a:endParaRPr lang="en-US" altLang="zh-CN" dirty="0"/>
           </a:p>
